--- a/Slides/Lecture 6-1.pptx
+++ b/Slides/Lecture 6-1.pptx
@@ -226,7 +226,7 @@
             <a:fld id="{A6781D3C-003D-4837-A496-9A32CDA8003A}" type="datetimeFigureOut">
               <a:rPr lang="en-US" smtClean="0"/>
               <a:pPr/>
-              <a:t>1/31/19</a:t>
+              <a:t>1/28/2019</a:t>
             </a:fld>
             <a:endParaRPr lang="en-US"/>
           </a:p>
@@ -290,37 +290,38 @@
           <a:p>
             <a:pPr lvl="0"/>
             <a:r>
-              <a:rPr lang="en-US"/>
+              <a:rPr lang="en-US" smtClean="0"/>
               <a:t>Click to edit Master text styles</a:t>
             </a:r>
           </a:p>
           <a:p>
             <a:pPr lvl="1"/>
             <a:r>
-              <a:rPr lang="en-US"/>
+              <a:rPr lang="en-US" smtClean="0"/>
               <a:t>Second level</a:t>
             </a:r>
           </a:p>
           <a:p>
             <a:pPr lvl="2"/>
             <a:r>
-              <a:rPr lang="en-US"/>
+              <a:rPr lang="en-US" smtClean="0"/>
               <a:t>Third level</a:t>
             </a:r>
           </a:p>
           <a:p>
             <a:pPr lvl="3"/>
             <a:r>
-              <a:rPr lang="en-US"/>
+              <a:rPr lang="en-US" smtClean="0"/>
               <a:t>Fourth level</a:t>
             </a:r>
           </a:p>
           <a:p>
             <a:pPr lvl="4"/>
             <a:r>
-              <a:rPr lang="en-US"/>
+              <a:rPr lang="en-US" smtClean="0"/>
               <a:t>Fifth level</a:t>
             </a:r>
+            <a:endParaRPr lang="en-US"/>
           </a:p>
         </p:txBody>
       </p:sp>
@@ -566,10 +567,7 @@
           <a:bodyPr/>
           <a:lstStyle/>
           <a:p>
-            <a:r>
-              <a:rPr lang="en-US" altLang="en-US" dirty="0"/>
-              <a:t>A and B  are words and tags.</a:t>
-            </a:r>
+            <a:endParaRPr lang="en-US" altLang="en-US" smtClean="0"/>
           </a:p>
         </p:txBody>
       </p:sp>
@@ -658,7 +656,7 @@
           <a:bodyPr/>
           <a:lstStyle/>
           <a:p>
-            <a:endParaRPr lang="en-US" altLang="en-US"/>
+            <a:endParaRPr lang="en-US" altLang="en-US" smtClean="0"/>
           </a:p>
         </p:txBody>
       </p:sp>
@@ -747,7 +745,7 @@
           <a:bodyPr/>
           <a:lstStyle/>
           <a:p>
-            <a:endParaRPr lang="en-US" altLang="en-US"/>
+            <a:endParaRPr lang="en-US" altLang="en-US" smtClean="0"/>
           </a:p>
         </p:txBody>
       </p:sp>
@@ -836,7 +834,7 @@
           <a:bodyPr/>
           <a:lstStyle/>
           <a:p>
-            <a:endParaRPr lang="en-US" altLang="en-US" dirty="0"/>
+            <a:endParaRPr lang="en-US" altLang="en-US" smtClean="0"/>
           </a:p>
         </p:txBody>
       </p:sp>
@@ -918,9 +916,10 @@
           </a:lstStyle>
           <a:p>
             <a:r>
-              <a:rPr lang="en-US" dirty="0"/>
+              <a:rPr lang="en-US" dirty="0" smtClean="0"/>
               <a:t>Click to edit Master title style</a:t>
             </a:r>
+            <a:endParaRPr lang="en-US" dirty="0"/>
           </a:p>
         </p:txBody>
       </p:sp>
@@ -1045,9 +1044,10 @@
           </a:lstStyle>
           <a:p>
             <a:r>
-              <a:rPr lang="en-US" dirty="0"/>
+              <a:rPr lang="en-US" dirty="0" smtClean="0"/>
               <a:t>Click to edit Master subtitle style</a:t>
             </a:r>
+            <a:endParaRPr lang="en-US" dirty="0"/>
           </a:p>
         </p:txBody>
       </p:sp>
@@ -1102,9 +1102,10 @@
           <a:lstStyle/>
           <a:p>
             <a:r>
-              <a:rPr lang="en-US"/>
+              <a:rPr lang="en-US" smtClean="0"/>
               <a:t>Click to edit Master title style</a:t>
             </a:r>
+            <a:endParaRPr lang="en-US"/>
           </a:p>
         </p:txBody>
       </p:sp>
@@ -1166,9 +1167,10 @@
           </a:lstStyle>
           <a:p>
             <a:r>
-              <a:rPr lang="en-US"/>
+              <a:rPr lang="en-US" smtClean="0"/>
               <a:t>Click to edit Master subtitle style</a:t>
             </a:r>
+            <a:endParaRPr lang="en-US"/>
           </a:p>
         </p:txBody>
       </p:sp>
@@ -1274,6 +1276,13 @@
   <p:clrMapOvr>
     <a:masterClrMapping/>
   </p:clrMapOvr>
+  <p:timing>
+    <p:tnLst>
+      <p:par>
+        <p:cTn id="1" dur="indefinite" restart="never" nodeType="tmRoot"/>
+      </p:par>
+    </p:tnLst>
+  </p:timing>
 </p:sldLayout>
 </file>
 
@@ -1317,9 +1326,10 @@
           </a:lstStyle>
           <a:p>
             <a:r>
-              <a:rPr lang="en-US" dirty="0"/>
+              <a:rPr lang="en-US" dirty="0" smtClean="0"/>
               <a:t>Click to edit Master title style</a:t>
             </a:r>
+            <a:endParaRPr lang="en-US" dirty="0"/>
           </a:p>
         </p:txBody>
       </p:sp>
@@ -1371,37 +1381,38 @@
           <a:p>
             <a:pPr lvl="0"/>
             <a:r>
-              <a:rPr lang="en-US" dirty="0"/>
+              <a:rPr lang="en-US" dirty="0" smtClean="0"/>
               <a:t>Click to edit Master text styles</a:t>
             </a:r>
           </a:p>
           <a:p>
             <a:pPr lvl="1"/>
             <a:r>
-              <a:rPr lang="en-US" dirty="0"/>
+              <a:rPr lang="en-US" dirty="0" smtClean="0"/>
               <a:t>Second level</a:t>
             </a:r>
           </a:p>
           <a:p>
             <a:pPr lvl="2"/>
             <a:r>
-              <a:rPr lang="en-US" dirty="0"/>
+              <a:rPr lang="en-US" dirty="0" smtClean="0"/>
               <a:t>Third level</a:t>
             </a:r>
           </a:p>
           <a:p>
             <a:pPr lvl="3"/>
             <a:r>
-              <a:rPr lang="en-US" dirty="0"/>
+              <a:rPr lang="en-US" dirty="0" smtClean="0"/>
               <a:t>Fourth level</a:t>
             </a:r>
           </a:p>
           <a:p>
             <a:pPr lvl="4"/>
             <a:r>
-              <a:rPr lang="en-US" dirty="0"/>
+              <a:rPr lang="en-US" dirty="0" smtClean="0"/>
               <a:t>Fifth level</a:t>
             </a:r>
+            <a:endParaRPr lang="en-US" dirty="0"/>
           </a:p>
         </p:txBody>
       </p:sp>
@@ -1674,6 +1685,13 @@
   <p:clrMapOvr>
     <a:masterClrMapping/>
   </p:clrMapOvr>
+  <p:timing>
+    <p:tnLst>
+      <p:par>
+        <p:cTn id="1" dur="indefinite" restart="never" nodeType="tmRoot"/>
+      </p:par>
+    </p:tnLst>
+  </p:timing>
 </p:sldLayout>
 </file>
 
@@ -1735,9 +1753,10 @@
           </a:lstStyle>
           <a:p>
             <a:r>
-              <a:rPr lang="en-US" dirty="0"/>
+              <a:rPr lang="en-US" dirty="0" smtClean="0"/>
               <a:t>Click to edit Master title style</a:t>
             </a:r>
+            <a:endParaRPr lang="en-US" dirty="0"/>
           </a:p>
         </p:txBody>
       </p:sp>
@@ -1763,35 +1782,35 @@
           <a:p>
             <a:pPr lvl="0"/>
             <a:r>
-              <a:rPr lang="en-US"/>
+              <a:rPr lang="en-US" smtClean="0"/>
               <a:t>Click to edit Master text styles</a:t>
             </a:r>
           </a:p>
           <a:p>
             <a:pPr lvl="1"/>
             <a:r>
-              <a:rPr lang="en-US"/>
+              <a:rPr lang="en-US" smtClean="0"/>
               <a:t>Second level</a:t>
             </a:r>
           </a:p>
           <a:p>
             <a:pPr lvl="2"/>
             <a:r>
-              <a:rPr lang="en-US"/>
+              <a:rPr lang="en-US" smtClean="0"/>
               <a:t>Third level</a:t>
             </a:r>
           </a:p>
           <a:p>
             <a:pPr lvl="3"/>
             <a:r>
-              <a:rPr lang="en-US"/>
+              <a:rPr lang="en-US" smtClean="0"/>
               <a:t>Fourth level</a:t>
             </a:r>
           </a:p>
           <a:p>
             <a:pPr lvl="4"/>
             <a:r>
-              <a:rPr lang="en-US"/>
+              <a:rPr lang="en-US" smtClean="0"/>
               <a:t>Fifth level</a:t>
             </a:r>
             <a:endParaRPr lang="en-US" dirty="0"/>
@@ -1860,7 +1879,7 @@
           </a:lstStyle>
           <a:p>
             <a:r>
-              <a:rPr lang="en-US"/>
+              <a:rPr lang="en-US" smtClean="0"/>
               <a:t>Click to edit Master title style</a:t>
             </a:r>
             <a:endParaRPr lang="en-US" dirty="0"/>
@@ -1980,7 +1999,7 @@
           <a:p>
             <a:pPr lvl="0"/>
             <a:r>
-              <a:rPr lang="en-US"/>
+              <a:rPr lang="en-US" smtClean="0"/>
               <a:t>Click to edit Master text styles</a:t>
             </a:r>
           </a:p>
@@ -2050,7 +2069,7 @@
           </a:lstStyle>
           <a:p>
             <a:r>
-              <a:rPr lang="en-US"/>
+              <a:rPr lang="en-US" smtClean="0"/>
               <a:t>Click to edit Master title style</a:t>
             </a:r>
             <a:endParaRPr lang="en-US" dirty="0"/>
@@ -2125,35 +2144,35 @@
           <a:p>
             <a:pPr lvl="0"/>
             <a:r>
-              <a:rPr lang="en-US"/>
+              <a:rPr lang="en-US" smtClean="0"/>
               <a:t>Click to edit Master text styles</a:t>
             </a:r>
           </a:p>
           <a:p>
             <a:pPr lvl="1"/>
             <a:r>
-              <a:rPr lang="en-US"/>
+              <a:rPr lang="en-US" smtClean="0"/>
               <a:t>Second level</a:t>
             </a:r>
           </a:p>
           <a:p>
             <a:pPr lvl="2"/>
             <a:r>
-              <a:rPr lang="en-US"/>
+              <a:rPr lang="en-US" smtClean="0"/>
               <a:t>Third level</a:t>
             </a:r>
           </a:p>
           <a:p>
             <a:pPr lvl="3"/>
             <a:r>
-              <a:rPr lang="en-US"/>
+              <a:rPr lang="en-US" smtClean="0"/>
               <a:t>Fourth level</a:t>
             </a:r>
           </a:p>
           <a:p>
             <a:pPr lvl="4"/>
             <a:r>
-              <a:rPr lang="en-US"/>
+              <a:rPr lang="en-US" smtClean="0"/>
               <a:t>Fifth level</a:t>
             </a:r>
             <a:endParaRPr lang="en-US" dirty="0"/>
@@ -2228,35 +2247,35 @@
           <a:p>
             <a:pPr lvl="0"/>
             <a:r>
-              <a:rPr lang="en-US"/>
+              <a:rPr lang="en-US" smtClean="0"/>
               <a:t>Click to edit Master text styles</a:t>
             </a:r>
           </a:p>
           <a:p>
             <a:pPr lvl="1"/>
             <a:r>
-              <a:rPr lang="en-US"/>
+              <a:rPr lang="en-US" smtClean="0"/>
               <a:t>Second level</a:t>
             </a:r>
           </a:p>
           <a:p>
             <a:pPr lvl="2"/>
             <a:r>
-              <a:rPr lang="en-US"/>
+              <a:rPr lang="en-US" smtClean="0"/>
               <a:t>Third level</a:t>
             </a:r>
           </a:p>
           <a:p>
             <a:pPr lvl="3"/>
             <a:r>
-              <a:rPr lang="en-US"/>
+              <a:rPr lang="en-US" smtClean="0"/>
               <a:t>Fourth level</a:t>
             </a:r>
           </a:p>
           <a:p>
             <a:pPr lvl="4"/>
             <a:r>
-              <a:rPr lang="en-US"/>
+              <a:rPr lang="en-US" smtClean="0"/>
               <a:t>Fifth level</a:t>
             </a:r>
             <a:endParaRPr lang="en-US" dirty="0"/>
@@ -2327,7 +2346,7 @@
           </a:lstStyle>
           <a:p>
             <a:r>
-              <a:rPr lang="en-US"/>
+              <a:rPr lang="en-US" smtClean="0"/>
               <a:t>Click to edit Master title style</a:t>
             </a:r>
             <a:endParaRPr lang="en-US" dirty="0"/>
@@ -2402,7 +2421,7 @@
           <a:p>
             <a:pPr lvl="0"/>
             <a:r>
-              <a:rPr lang="en-US"/>
+              <a:rPr lang="en-US" smtClean="0"/>
               <a:t>Click to edit Master text styles</a:t>
             </a:r>
           </a:p>
@@ -2473,35 +2492,35 @@
           <a:p>
             <a:pPr lvl="0"/>
             <a:r>
-              <a:rPr lang="en-US"/>
+              <a:rPr lang="en-US" smtClean="0"/>
               <a:t>Click to edit Master text styles</a:t>
             </a:r>
           </a:p>
           <a:p>
             <a:pPr lvl="1"/>
             <a:r>
-              <a:rPr lang="en-US"/>
+              <a:rPr lang="en-US" smtClean="0"/>
               <a:t>Second level</a:t>
             </a:r>
           </a:p>
           <a:p>
             <a:pPr lvl="2"/>
             <a:r>
-              <a:rPr lang="en-US"/>
+              <a:rPr lang="en-US" smtClean="0"/>
               <a:t>Third level</a:t>
             </a:r>
           </a:p>
           <a:p>
             <a:pPr lvl="3"/>
             <a:r>
-              <a:rPr lang="en-US"/>
+              <a:rPr lang="en-US" smtClean="0"/>
               <a:t>Fourth level</a:t>
             </a:r>
           </a:p>
           <a:p>
             <a:pPr lvl="4"/>
             <a:r>
-              <a:rPr lang="en-US"/>
+              <a:rPr lang="en-US" smtClean="0"/>
               <a:t>Fifth level</a:t>
             </a:r>
             <a:endParaRPr lang="en-US" dirty="0"/>
@@ -2576,7 +2595,7 @@
           <a:p>
             <a:pPr lvl="0"/>
             <a:r>
-              <a:rPr lang="en-US"/>
+              <a:rPr lang="en-US" smtClean="0"/>
               <a:t>Click to edit Master text styles</a:t>
             </a:r>
           </a:p>
@@ -2647,35 +2666,35 @@
           <a:p>
             <a:pPr lvl="0"/>
             <a:r>
-              <a:rPr lang="en-US"/>
+              <a:rPr lang="en-US" smtClean="0"/>
               <a:t>Click to edit Master text styles</a:t>
             </a:r>
           </a:p>
           <a:p>
             <a:pPr lvl="1"/>
             <a:r>
-              <a:rPr lang="en-US"/>
+              <a:rPr lang="en-US" smtClean="0"/>
               <a:t>Second level</a:t>
             </a:r>
           </a:p>
           <a:p>
             <a:pPr lvl="2"/>
             <a:r>
-              <a:rPr lang="en-US"/>
+              <a:rPr lang="en-US" smtClean="0"/>
               <a:t>Third level</a:t>
             </a:r>
           </a:p>
           <a:p>
             <a:pPr lvl="3"/>
             <a:r>
-              <a:rPr lang="en-US"/>
+              <a:rPr lang="en-US" smtClean="0"/>
               <a:t>Fourth level</a:t>
             </a:r>
           </a:p>
           <a:p>
             <a:pPr lvl="4"/>
             <a:r>
-              <a:rPr lang="en-US"/>
+              <a:rPr lang="en-US" smtClean="0"/>
               <a:t>Fifth level</a:t>
             </a:r>
             <a:endParaRPr lang="en-US" dirty="0"/>
@@ -2746,7 +2765,7 @@
           </a:lstStyle>
           <a:p>
             <a:r>
-              <a:rPr lang="en-US"/>
+              <a:rPr lang="en-US" smtClean="0"/>
               <a:t>Click to edit Master title style</a:t>
             </a:r>
             <a:endParaRPr lang="en-US" dirty="0"/>
@@ -2847,7 +2866,7 @@
           </a:lstStyle>
           <a:p>
             <a:r>
-              <a:rPr lang="en-US"/>
+              <a:rPr lang="en-US" smtClean="0"/>
               <a:t>Click to edit Master title style</a:t>
             </a:r>
             <a:endParaRPr lang="en-US" dirty="0"/>
@@ -2922,35 +2941,35 @@
           <a:p>
             <a:pPr lvl="0"/>
             <a:r>
-              <a:rPr lang="en-US"/>
+              <a:rPr lang="en-US" smtClean="0"/>
               <a:t>Click to edit Master text styles</a:t>
             </a:r>
           </a:p>
           <a:p>
             <a:pPr lvl="1"/>
             <a:r>
-              <a:rPr lang="en-US"/>
+              <a:rPr lang="en-US" smtClean="0"/>
               <a:t>Second level</a:t>
             </a:r>
           </a:p>
           <a:p>
             <a:pPr lvl="2"/>
             <a:r>
-              <a:rPr lang="en-US"/>
+              <a:rPr lang="en-US" smtClean="0"/>
               <a:t>Third level</a:t>
             </a:r>
           </a:p>
           <a:p>
             <a:pPr lvl="3"/>
             <a:r>
-              <a:rPr lang="en-US"/>
+              <a:rPr lang="en-US" smtClean="0"/>
               <a:t>Fourth level</a:t>
             </a:r>
           </a:p>
           <a:p>
             <a:pPr lvl="4"/>
             <a:r>
-              <a:rPr lang="en-US"/>
+              <a:rPr lang="en-US" smtClean="0"/>
               <a:t>Fifth level</a:t>
             </a:r>
             <a:endParaRPr lang="en-US" dirty="0"/>
@@ -3022,7 +3041,7 @@
           <a:p>
             <a:pPr lvl="0"/>
             <a:r>
-              <a:rPr lang="en-US"/>
+              <a:rPr lang="en-US" smtClean="0"/>
               <a:t>Click to edit Master text styles</a:t>
             </a:r>
           </a:p>
@@ -3092,7 +3111,7 @@
           </a:lstStyle>
           <a:p>
             <a:r>
-              <a:rPr lang="en-US"/>
+              <a:rPr lang="en-US" smtClean="0"/>
               <a:t>Click to edit Master title style</a:t>
             </a:r>
             <a:endParaRPr lang="en-US" dirty="0"/>
@@ -3157,9 +3176,10 @@
           </a:lstStyle>
           <a:p>
             <a:r>
-              <a:rPr lang="en-US"/>
+              <a:rPr lang="en-US" smtClean="0"/>
               <a:t>Click icon to add picture</a:t>
             </a:r>
+            <a:endParaRPr lang="en-US"/>
           </a:p>
         </p:txBody>
       </p:sp>
@@ -3228,7 +3248,7 @@
           <a:p>
             <a:pPr lvl="0"/>
             <a:r>
-              <a:rPr lang="en-US"/>
+              <a:rPr lang="en-US" smtClean="0"/>
               <a:t>Click to edit Master text styles</a:t>
             </a:r>
           </a:p>
@@ -3299,35 +3319,35 @@
           <a:p>
             <a:pPr lvl="0"/>
             <a:r>
-              <a:rPr lang="en-US"/>
+              <a:rPr lang="en-US" smtClean="0"/>
               <a:t>Click to edit Master text styles</a:t>
             </a:r>
           </a:p>
           <a:p>
             <a:pPr lvl="1"/>
             <a:r>
-              <a:rPr lang="en-US"/>
+              <a:rPr lang="en-US" smtClean="0"/>
               <a:t>Second level</a:t>
             </a:r>
           </a:p>
           <a:p>
             <a:pPr lvl="2"/>
             <a:r>
-              <a:rPr lang="en-US"/>
+              <a:rPr lang="en-US" smtClean="0"/>
               <a:t>Third level</a:t>
             </a:r>
           </a:p>
           <a:p>
             <a:pPr lvl="3"/>
             <a:r>
-              <a:rPr lang="en-US"/>
+              <a:rPr lang="en-US" smtClean="0"/>
               <a:t>Fourth level</a:t>
             </a:r>
           </a:p>
           <a:p>
             <a:pPr lvl="4"/>
             <a:r>
-              <a:rPr lang="en-US"/>
+              <a:rPr lang="en-US" smtClean="0"/>
               <a:t>Fifth level</a:t>
             </a:r>
             <a:endParaRPr lang="en-US" dirty="0"/>
@@ -3353,6 +3373,13 @@
     <p:sldLayoutId id="2147483656" r:id="rId8"/>
     <p:sldLayoutId id="2147483657" r:id="rId9"/>
   </p:sldLayoutIdLst>
+  <p:timing>
+    <p:tnLst>
+      <p:par>
+        <p:cTn id="1" dur="indefinite" restart="never" nodeType="tmRoot"/>
+      </p:par>
+    </p:tnLst>
+  </p:timing>
   <p:txStyles>
     <p:titleStyle>
       <a:lvl1pPr algn="ctr" defTabSz="457200" rtl="0" eaLnBrk="1" latinLnBrk="0" hangingPunct="1">
@@ -3725,7 +3752,7 @@
           <a:p>
             <a:pPr lvl="0"/>
             <a:r>
-              <a:rPr lang="en-US" dirty="0"/>
+              <a:rPr lang="en-US" dirty="0" smtClean="0"/>
               <a:t>Click to edit Master title style</a:t>
             </a:r>
           </a:p>
@@ -3767,35 +3794,35 @@
           <a:p>
             <a:pPr lvl="0"/>
             <a:r>
-              <a:rPr lang="en-US" dirty="0"/>
+              <a:rPr lang="en-US" dirty="0" smtClean="0"/>
               <a:t>Click to edit Master text styles</a:t>
             </a:r>
           </a:p>
           <a:p>
             <a:pPr lvl="1"/>
             <a:r>
-              <a:rPr lang="en-US" dirty="0"/>
+              <a:rPr lang="en-US" dirty="0" smtClean="0"/>
               <a:t>Second level</a:t>
             </a:r>
           </a:p>
           <a:p>
             <a:pPr lvl="2"/>
             <a:r>
-              <a:rPr lang="en-US" dirty="0"/>
+              <a:rPr lang="en-US" dirty="0" smtClean="0"/>
               <a:t>Third level</a:t>
             </a:r>
           </a:p>
           <a:p>
             <a:pPr lvl="3"/>
             <a:r>
-              <a:rPr lang="en-US" dirty="0"/>
+              <a:rPr lang="en-US" dirty="0" smtClean="0"/>
               <a:t>Fourth level</a:t>
             </a:r>
           </a:p>
           <a:p>
             <a:pPr lvl="4"/>
             <a:r>
-              <a:rPr lang="en-US" dirty="0"/>
+              <a:rPr lang="en-US" dirty="0" smtClean="0"/>
               <a:t>Fifth level</a:t>
             </a:r>
           </a:p>
@@ -4457,11 +4484,14 @@
           <a:lstStyle/>
           <a:p>
             <a:r>
-              <a:rPr lang="en-US" sz="18000" dirty="0">
+              <a:rPr lang="en-US" sz="18000" dirty="0" smtClean="0">
                 <a:latin typeface="Rockwell Extra Bold" panose="02060903040505020403" pitchFamily="18" charset="0"/>
               </a:rPr>
               <a:t>NLP</a:t>
             </a:r>
+            <a:endParaRPr lang="en-US" sz="18000" dirty="0">
+              <a:latin typeface="Rockwell Extra Bold" panose="02060903040505020403" pitchFamily="18" charset="0"/>
+            </a:endParaRPr>
           </a:p>
         </p:txBody>
       </p:sp>
@@ -4475,6 +4505,13 @@
   <p:clrMapOvr>
     <a:masterClrMapping/>
   </p:clrMapOvr>
+  <p:timing>
+    <p:tnLst>
+      <p:par>
+        <p:cTn id="1" dur="indefinite" restart="never" nodeType="tmRoot"/>
+      </p:par>
+    </p:tnLst>
+  </p:timing>
 </p:sld>
 </file>
 
@@ -4512,8 +4549,12 @@
           <a:p>
             <a:pPr eaLnBrk="1" hangingPunct="1"/>
             <a:r>
-              <a:rPr lang="en-US" dirty="0"/>
-              <a:t>Bayes Theorem</a:t>
+              <a:rPr lang="en-US" dirty="0" smtClean="0"/>
+              <a:t>Bayes </a:t>
+            </a:r>
+            <a:r>
+              <a:rPr lang="en-US" dirty="0" smtClean="0"/>
+              <a:t>Theorem</a:t>
             </a:r>
           </a:p>
         </p:txBody>
@@ -4534,7 +4575,7 @@
           <a:graphicData uri="http://schemas.openxmlformats.org/presentationml/2006/ole">
             <mc:AlternateContent xmlns:mc="http://schemas.openxmlformats.org/markup-compatibility/2006">
               <mc:Choice xmlns:v="urn:schemas-microsoft-com:vml" Requires="v">
-                <p:oleObj spid="_x0000_s1050" name="Equation" r:id="rId3" imgW="1866900" imgH="419100" progId="Equation.3">
+                <p:oleObj spid="_x0000_s1046" name="Equation" r:id="rId3" imgW="1866900" imgH="419100" progId="Equation.3">
                   <p:embed/>
                 </p:oleObj>
               </mc:Choice>
@@ -5795,7 +5836,7 @@
           <a:graphicData uri="http://schemas.openxmlformats.org/presentationml/2006/ole">
             <mc:AlternateContent xmlns:mc="http://schemas.openxmlformats.org/markup-compatibility/2006">
               <mc:Choice xmlns:v="urn:schemas-microsoft-com:vml" Requires="v">
-                <p:oleObj spid="_x0000_s1051" name="Equation" r:id="rId5" imgW="1739900" imgH="228600" progId="Equation.3">
+                <p:oleObj spid="_x0000_s1047" name="Equation" r:id="rId5" imgW="1739900" imgH="228600" progId="Equation.3">
                   <p:embed/>
                 </p:oleObj>
               </mc:Choice>
@@ -6051,17 +6092,18 @@
           <a:lstStyle/>
           <a:p>
             <a:r>
-              <a:rPr lang="en-US" sz="1600" dirty="0"/>
+              <a:rPr lang="en-US" sz="1600" dirty="0" smtClean="0"/>
               <a:t>[slide from </a:t>
             </a:r>
             <a:r>
-              <a:rPr lang="en-US" sz="1600" dirty="0" err="1"/>
+              <a:rPr lang="en-US" sz="1600" dirty="0" err="1" smtClean="0"/>
               <a:t>Qiaozhu</a:t>
             </a:r>
             <a:r>
-              <a:rPr lang="en-US" sz="1600" dirty="0"/>
+              <a:rPr lang="en-US" sz="1600" dirty="0" smtClean="0"/>
               <a:t> Mei]</a:t>
             </a:r>
+            <a:endParaRPr lang="en-US" sz="1600" dirty="0"/>
           </a:p>
         </p:txBody>
       </p:sp>
@@ -6075,6 +6117,13 @@
   <p:clrMapOvr>
     <a:masterClrMapping/>
   </p:clrMapOvr>
+  <p:timing>
+    <p:tnLst>
+      <p:par>
+        <p:cTn id="1" dur="indefinite" restart="never" nodeType="tmRoot"/>
+      </p:par>
+    </p:tnLst>
+  </p:timing>
 </p:sld>
 </file>
 
@@ -6112,7 +6161,7 @@
           <a:p>
             <a:pPr eaLnBrk="1" hangingPunct="1"/>
             <a:r>
-              <a:rPr lang="en-US"/>
+              <a:rPr lang="en-US" smtClean="0"/>
               <a:t>Getting to Statistics ...</a:t>
             </a:r>
           </a:p>
@@ -6136,50 +6185,50 @@
         </p:spPr>
         <p:txBody>
           <a:bodyPr>
-            <a:normAutofit fontScale="85000" lnSpcReduction="10000"/>
+            <a:normAutofit fontScale="92500"/>
           </a:bodyPr>
           <a:lstStyle/>
           <a:p>
             <a:pPr eaLnBrk="1" hangingPunct="1"/>
             <a:r>
-              <a:rPr lang="en-US" sz="2400" dirty="0"/>
+              <a:rPr lang="en-US" sz="2400" dirty="0" smtClean="0"/>
               <a:t>We are flipping an unfair coin, but P(Head)=? </a:t>
             </a:r>
             <a:br>
-              <a:rPr lang="en-US" sz="2400" dirty="0"/>
+              <a:rPr lang="en-US" sz="2400" dirty="0" smtClean="0"/>
             </a:br>
             <a:r>
-              <a:rPr lang="en-US" sz="2400" dirty="0"/>
+              <a:rPr lang="en-US" sz="2400" dirty="0" smtClean="0"/>
               <a:t>(parameter estimation)</a:t>
             </a:r>
           </a:p>
           <a:p>
             <a:pPr lvl="1" eaLnBrk="1" hangingPunct="1"/>
             <a:r>
-              <a:rPr lang="en-US" sz="2000" dirty="0"/>
+              <a:rPr lang="en-US" sz="2000" dirty="0" smtClean="0"/>
               <a:t>If we see the results of a huge number of random experiments, then </a:t>
             </a:r>
           </a:p>
           <a:p>
             <a:pPr lvl="1" eaLnBrk="1" hangingPunct="1"/>
-            <a:endParaRPr lang="en-US" sz="2000" dirty="0"/>
+            <a:endParaRPr lang="en-US" sz="2000" dirty="0" smtClean="0"/>
           </a:p>
           <a:p>
             <a:pPr lvl="1" eaLnBrk="1" hangingPunct="1"/>
-            <a:endParaRPr lang="en-US" sz="2000" dirty="0"/>
+            <a:endParaRPr lang="en-US" sz="2000" dirty="0" smtClean="0"/>
           </a:p>
           <a:p>
             <a:pPr lvl="1" eaLnBrk="1" hangingPunct="1"/>
             <a:r>
-              <a:rPr lang="en-US" sz="2000" dirty="0"/>
+              <a:rPr lang="en-US" sz="2000" dirty="0" smtClean="0"/>
               <a:t>But, what if we only see a small sample (e.g., 2)? Is this estimate still reliable? We flip twice and got two tails, does it mean P(Head) = 0?</a:t>
             </a:r>
-            <a:endParaRPr lang="en-US" dirty="0"/>
+            <a:endParaRPr lang="en-US" dirty="0" smtClean="0"/>
           </a:p>
           <a:p>
             <a:pPr eaLnBrk="1" hangingPunct="1"/>
             <a:r>
-              <a:rPr lang="en-US" sz="2400" dirty="0"/>
+              <a:rPr lang="en-US" sz="2400" dirty="0" smtClean="0"/>
               <a:t>In general, statistics has to do with drawing conclusions on the whole population based on observations of a sample (data)</a:t>
             </a:r>
           </a:p>
@@ -6207,7 +6256,7 @@
           <a:graphicData uri="http://schemas.openxmlformats.org/presentationml/2006/ole">
             <mc:AlternateContent xmlns:mc="http://schemas.openxmlformats.org/markup-compatibility/2006">
               <mc:Choice xmlns:v="urn:schemas-microsoft-com:vml" Requires="v">
-                <p:oleObj spid="_x0000_s2063" name="Equation" r:id="rId3" imgW="3555720" imgH="419040" progId="Equation.3">
+                <p:oleObj spid="_x0000_s2060" name="Equation" r:id="rId3" imgW="3555720" imgH="419040" progId="Equation.3">
                   <p:embed/>
                 </p:oleObj>
               </mc:Choice>
@@ -6291,17 +6340,18 @@
           <a:lstStyle/>
           <a:p>
             <a:r>
-              <a:rPr lang="en-US" sz="1600" dirty="0"/>
+              <a:rPr lang="en-US" sz="1600" dirty="0" smtClean="0"/>
               <a:t>[slide from </a:t>
             </a:r>
             <a:r>
-              <a:rPr lang="en-US" sz="1600" dirty="0" err="1"/>
+              <a:rPr lang="en-US" sz="1600" dirty="0" err="1" smtClean="0"/>
               <a:t>Qiaozhu</a:t>
             </a:r>
             <a:r>
-              <a:rPr lang="en-US" sz="1600" dirty="0"/>
+              <a:rPr lang="en-US" sz="1600" dirty="0" smtClean="0"/>
               <a:t> Mei]</a:t>
             </a:r>
+            <a:endParaRPr lang="en-US" sz="1600" dirty="0"/>
           </a:p>
         </p:txBody>
       </p:sp>
@@ -6315,6 +6365,21 @@
   <p:clrMapOvr>
     <a:masterClrMapping/>
   </p:clrMapOvr>
+  <mc:AlternateContent xmlns:mc="http://schemas.openxmlformats.org/markup-compatibility/2006">
+    <mc:Choice xmlns:p14="http://schemas.microsoft.com/office/powerpoint/2010/main" Requires="p14">
+      <p:transition spd="slow" p14:dur="2000"/>
+    </mc:Choice>
+    <mc:Fallback>
+      <p:transition spd="slow"/>
+    </mc:Fallback>
+  </mc:AlternateContent>
+  <p:timing>
+    <p:tnLst>
+      <p:par>
+        <p:cTn id="1" dur="indefinite" restart="never" nodeType="tmRoot"/>
+      </p:par>
+    </p:tnLst>
+  </p:timing>
 </p:sld>
 </file>
 
@@ -6352,7 +6417,7 @@
           <a:p>
             <a:pPr eaLnBrk="1" hangingPunct="1"/>
             <a:r>
-              <a:rPr lang="en-US"/>
+              <a:rPr lang="en-US" smtClean="0"/>
               <a:t>Parameter Estimation</a:t>
             </a:r>
           </a:p>
@@ -6382,25 +6447,25 @@
           <a:p>
             <a:pPr eaLnBrk="1" hangingPunct="1"/>
             <a:r>
-              <a:rPr lang="en-US" dirty="0"/>
+              <a:rPr lang="en-US" dirty="0" smtClean="0"/>
               <a:t>General setting:</a:t>
             </a:r>
           </a:p>
           <a:p>
             <a:pPr lvl="1" eaLnBrk="1" hangingPunct="1"/>
             <a:r>
-              <a:rPr lang="en-US" dirty="0"/>
+              <a:rPr lang="en-US" dirty="0" smtClean="0"/>
               <a:t>Given a (hypothesized &amp; probabilistic) model that governs the random experiment</a:t>
             </a:r>
           </a:p>
           <a:p>
             <a:pPr lvl="1" eaLnBrk="1" hangingPunct="1"/>
             <a:r>
-              <a:rPr lang="en-US" dirty="0"/>
+              <a:rPr lang="en-US" dirty="0" smtClean="0"/>
               <a:t>The model gives a probability of any data p(D|</a:t>
             </a:r>
             <a:r>
-              <a:rPr lang="en-US" dirty="0">
+              <a:rPr lang="en-US" dirty="0" smtClean="0">
                 <a:sym typeface="Symbol" pitchFamily="18" charset="2"/>
               </a:rPr>
               <a:t>) that depends on the parameter </a:t>
@@ -6409,31 +6474,31 @@
           <a:p>
             <a:pPr lvl="1" eaLnBrk="1" hangingPunct="1"/>
             <a:r>
-              <a:rPr lang="en-US" dirty="0">
+              <a:rPr lang="en-US" dirty="0" smtClean="0">
                 <a:sym typeface="Symbol" pitchFamily="18" charset="2"/>
               </a:rPr>
               <a:t>Now, given actual sample data X={x</a:t>
             </a:r>
             <a:r>
-              <a:rPr lang="en-US" baseline="-25000" dirty="0">
+              <a:rPr lang="en-US" baseline="-25000" dirty="0" smtClean="0">
                 <a:sym typeface="Symbol" pitchFamily="18" charset="2"/>
               </a:rPr>
               <a:t>1</a:t>
             </a:r>
             <a:r>
-              <a:rPr lang="en-US" dirty="0">
+              <a:rPr lang="en-US" dirty="0" smtClean="0">
                 <a:sym typeface="Symbol" pitchFamily="18" charset="2"/>
               </a:rPr>
               <a:t>,…,x</a:t>
             </a:r>
             <a:r>
-              <a:rPr lang="en-US" baseline="-25000" dirty="0">
+              <a:rPr lang="en-US" baseline="-25000" dirty="0" smtClean="0">
                 <a:sym typeface="Symbol" pitchFamily="18" charset="2"/>
               </a:rPr>
               <a:t>n</a:t>
             </a:r>
             <a:r>
-              <a:rPr lang="en-US" dirty="0">
+              <a:rPr lang="en-US" dirty="0" smtClean="0">
                 <a:sym typeface="Symbol" pitchFamily="18" charset="2"/>
               </a:rPr>
               <a:t>},  what can we say about the value of ?</a:t>
@@ -6442,7 +6507,7 @@
           <a:p>
             <a:pPr eaLnBrk="1" hangingPunct="1"/>
             <a:r>
-              <a:rPr lang="en-US" dirty="0">
+              <a:rPr lang="en-US" dirty="0" smtClean="0">
                 <a:sym typeface="Symbol" pitchFamily="18" charset="2"/>
               </a:rPr>
               <a:t>Intuitively, take your best guess of </a:t>
@@ -6451,7 +6516,7 @@
           <a:p>
             <a:pPr lvl="1"/>
             <a:r>
-              <a:rPr lang="en-US" dirty="0">
+              <a:rPr lang="en-US" dirty="0" smtClean="0">
                 <a:sym typeface="Symbol" pitchFamily="18" charset="2"/>
               </a:rPr>
               <a:t>“best” means “best explaining/fitting the data”</a:t>
@@ -6460,7 +6525,7 @@
           <a:p>
             <a:pPr eaLnBrk="1" hangingPunct="1"/>
             <a:r>
-              <a:rPr lang="en-US" dirty="0">
+              <a:rPr lang="en-US" dirty="0" smtClean="0">
                 <a:sym typeface="Symbol" pitchFamily="18" charset="2"/>
               </a:rPr>
               <a:t>Generally, this is an optimization problem</a:t>
@@ -6491,17 +6556,18 @@
           <a:lstStyle/>
           <a:p>
             <a:r>
-              <a:rPr lang="en-US" sz="1600" dirty="0"/>
+              <a:rPr lang="en-US" sz="1600" dirty="0" smtClean="0"/>
               <a:t>[slide from </a:t>
             </a:r>
             <a:r>
-              <a:rPr lang="en-US" sz="1600" dirty="0" err="1"/>
+              <a:rPr lang="en-US" sz="1600" dirty="0" err="1" smtClean="0"/>
               <a:t>Qiaozhu</a:t>
             </a:r>
             <a:r>
-              <a:rPr lang="en-US" sz="1600" dirty="0"/>
+              <a:rPr lang="en-US" sz="1600" dirty="0" smtClean="0"/>
               <a:t> Mei]</a:t>
             </a:r>
+            <a:endParaRPr lang="en-US" sz="1600" dirty="0"/>
           </a:p>
         </p:txBody>
       </p:sp>
@@ -6515,6 +6581,21 @@
   <p:clrMapOvr>
     <a:masterClrMapping/>
   </p:clrMapOvr>
+  <mc:AlternateContent xmlns:mc="http://schemas.openxmlformats.org/markup-compatibility/2006">
+    <mc:Choice xmlns:p14="http://schemas.microsoft.com/office/powerpoint/2010/main" Requires="p14">
+      <p:transition spd="slow" p14:dur="2000"/>
+    </mc:Choice>
+    <mc:Fallback>
+      <p:transition spd="slow"/>
+    </mc:Fallback>
+  </mc:AlternateContent>
+  <p:timing>
+    <p:tnLst>
+      <p:par>
+        <p:cTn id="1" dur="indefinite" restart="never" nodeType="tmRoot"/>
+      </p:par>
+    </p:tnLst>
+  </p:timing>
 </p:sld>
 </file>
 
@@ -6552,7 +6633,7 @@
           <a:p>
             <a:pPr eaLnBrk="1" hangingPunct="1"/>
             <a:r>
-              <a:rPr lang="en-US" dirty="0"/>
+              <a:rPr lang="en-US" dirty="0" smtClean="0"/>
               <a:t>Maximum Likelihood vs. Bayesian</a:t>
             </a:r>
           </a:p>
@@ -6582,46 +6663,46 @@
           <a:p>
             <a:pPr eaLnBrk="1" hangingPunct="1"/>
             <a:r>
-              <a:rPr lang="en-US" dirty="0"/>
+              <a:rPr lang="en-US" dirty="0" smtClean="0"/>
               <a:t>Maximum likelihood estimation</a:t>
             </a:r>
           </a:p>
           <a:p>
             <a:pPr lvl="1" eaLnBrk="1" hangingPunct="1"/>
             <a:r>
-              <a:rPr lang="en-US" dirty="0"/>
+              <a:rPr lang="en-US" dirty="0" smtClean="0"/>
               <a:t>“Best” means “data likelihood reaches maximum”</a:t>
             </a:r>
           </a:p>
           <a:p>
             <a:pPr lvl="1" eaLnBrk="1" hangingPunct="1"/>
-            <a:endParaRPr lang="en-US" dirty="0"/>
+            <a:endParaRPr lang="en-US" dirty="0" smtClean="0"/>
           </a:p>
           <a:p>
             <a:pPr lvl="1" eaLnBrk="1" hangingPunct="1"/>
             <a:r>
-              <a:rPr lang="en-US" dirty="0"/>
+              <a:rPr lang="en-US" dirty="0" smtClean="0"/>
               <a:t>Problem: small sample</a:t>
             </a:r>
           </a:p>
           <a:p>
             <a:pPr eaLnBrk="1" hangingPunct="1"/>
             <a:r>
-              <a:rPr lang="en-US" dirty="0"/>
+              <a:rPr lang="en-US" dirty="0" smtClean="0"/>
               <a:t>Bayesian estimation</a:t>
             </a:r>
           </a:p>
           <a:p>
             <a:pPr lvl="1" eaLnBrk="1" hangingPunct="1"/>
             <a:r>
-              <a:rPr lang="en-US" dirty="0"/>
+              <a:rPr lang="en-US" dirty="0" smtClean="0"/>
               <a:t>“Best” means being consistent with our “prior” knowledge and explaining data well</a:t>
             </a:r>
           </a:p>
           <a:p>
             <a:pPr lvl="1" eaLnBrk="1" hangingPunct="1"/>
             <a:r>
-              <a:rPr lang="en-US" dirty="0">
+              <a:rPr lang="en-US" dirty="0" smtClean="0">
                 <a:sym typeface="Symbol" pitchFamily="18" charset="2"/>
               </a:rPr>
               <a:t>Problem: how to define the prior?</a:t>
@@ -6651,7 +6732,7 @@
           <a:graphicData uri="http://schemas.openxmlformats.org/presentationml/2006/ole">
             <mc:AlternateContent xmlns:mc="http://schemas.openxmlformats.org/markup-compatibility/2006">
               <mc:Choice xmlns:v="urn:schemas-microsoft-com:vml" Requires="v">
-                <p:oleObj spid="_x0000_s3098" name="Equation" r:id="rId3" imgW="1371600" imgH="330120" progId="Equation.3">
+                <p:oleObj spid="_x0000_s3094" name="Equation" r:id="rId3" imgW="1371600" imgH="330120" progId="Equation.3">
                   <p:embed/>
                 </p:oleObj>
               </mc:Choice>
@@ -6716,7 +6797,7 @@
           <a:graphicData uri="http://schemas.openxmlformats.org/presentationml/2006/ole">
             <mc:AlternateContent xmlns:mc="http://schemas.openxmlformats.org/markup-compatibility/2006">
               <mc:Choice xmlns:v="urn:schemas-microsoft-com:vml" Requires="v">
-                <p:oleObj spid="_x0000_s3099" name="Equation" r:id="rId5" imgW="2882880" imgH="330120" progId="Equation.3">
+                <p:oleObj spid="_x0000_s3095" name="Equation" r:id="rId5" imgW="2882880" imgH="330120" progId="Equation.3">
                   <p:embed/>
                 </p:oleObj>
               </mc:Choice>
@@ -6782,17 +6863,18 @@
           <a:lstStyle/>
           <a:p>
             <a:r>
-              <a:rPr lang="en-US" sz="1600" dirty="0"/>
+              <a:rPr lang="en-US" sz="1600" dirty="0" smtClean="0"/>
               <a:t>[slide from </a:t>
             </a:r>
             <a:r>
-              <a:rPr lang="en-US" sz="1600" dirty="0" err="1"/>
+              <a:rPr lang="en-US" sz="1600" dirty="0" err="1" smtClean="0"/>
               <a:t>Qiaozhu</a:t>
             </a:r>
             <a:r>
-              <a:rPr lang="en-US" sz="1600" dirty="0"/>
+              <a:rPr lang="en-US" sz="1600" dirty="0" smtClean="0"/>
               <a:t> Mei]</a:t>
             </a:r>
+            <a:endParaRPr lang="en-US" sz="1600" dirty="0"/>
           </a:p>
         </p:txBody>
       </p:sp>
@@ -6806,6 +6888,21 @@
   <p:clrMapOvr>
     <a:masterClrMapping/>
   </p:clrMapOvr>
+  <mc:AlternateContent xmlns:mc="http://schemas.openxmlformats.org/markup-compatibility/2006">
+    <mc:Choice xmlns:p14="http://schemas.microsoft.com/office/powerpoint/2010/main" Requires="p14">
+      <p:transition spd="slow" p14:dur="2000"/>
+    </mc:Choice>
+    <mc:Fallback>
+      <p:transition spd="slow"/>
+    </mc:Fallback>
+  </mc:AlternateContent>
+  <p:timing>
+    <p:tnLst>
+      <p:par>
+        <p:cTn id="1" dur="indefinite" restart="never" nodeType="tmRoot"/>
+      </p:par>
+    </p:tnLst>
+  </p:timing>
 </p:sld>
 </file>
 
@@ -9125,17 +9222,18 @@
           <a:lstStyle/>
           <a:p>
             <a:r>
-              <a:rPr lang="en-US" sz="1600" dirty="0"/>
+              <a:rPr lang="en-US" sz="1600" dirty="0" smtClean="0"/>
               <a:t>[slide from </a:t>
             </a:r>
             <a:r>
-              <a:rPr lang="en-US" sz="1600" dirty="0" err="1"/>
+              <a:rPr lang="en-US" sz="1600" dirty="0" err="1" smtClean="0"/>
               <a:t>Qiaozhu</a:t>
             </a:r>
             <a:r>
-              <a:rPr lang="en-US" sz="1600" dirty="0"/>
+              <a:rPr lang="en-US" sz="1600" dirty="0" smtClean="0"/>
               <a:t> Mei]</a:t>
             </a:r>
+            <a:endParaRPr lang="en-US" sz="1600" dirty="0"/>
           </a:p>
         </p:txBody>
       </p:sp>
@@ -9156,7 +9254,7 @@
           <a:p>
             <a:pPr eaLnBrk="1" hangingPunct="1"/>
             <a:r>
-              <a:rPr lang="en-US" dirty="0"/>
+              <a:rPr lang="en-US" dirty="0" smtClean="0"/>
               <a:t>Bayesian Estimation</a:t>
             </a:r>
           </a:p>
@@ -9172,6 +9270,21 @@
   <p:clrMapOvr>
     <a:masterClrMapping/>
   </p:clrMapOvr>
+  <mc:AlternateContent xmlns:mc="http://schemas.openxmlformats.org/markup-compatibility/2006">
+    <mc:Choice xmlns:p14="http://schemas.microsoft.com/office/powerpoint/2010/main" Requires="p14">
+      <p:transition spd="slow" p14:dur="2000"/>
+    </mc:Choice>
+    <mc:Fallback>
+      <p:transition spd="slow"/>
+    </mc:Fallback>
+  </mc:AlternateContent>
+  <p:timing>
+    <p:tnLst>
+      <p:par>
+        <p:cTn id="1" dur="indefinite" restart="never" nodeType="tmRoot"/>
+      </p:par>
+    </p:tnLst>
+  </p:timing>
 </p:sld>
 </file>
 
@@ -9208,9 +9321,10 @@
           <a:lstStyle/>
           <a:p>
             <a:r>
-              <a:rPr lang="en-US" dirty="0"/>
+              <a:rPr lang="en-US" dirty="0" smtClean="0"/>
               <a:t>Example: An Unfair Die</a:t>
             </a:r>
+            <a:endParaRPr lang="en-US" dirty="0"/>
           </a:p>
         </p:txBody>
       </p:sp>
@@ -9232,7 +9346,7 @@
         </p:spPr>
         <p:txBody>
           <a:bodyPr>
-            <a:normAutofit lnSpcReduction="10000"/>
+            <a:normAutofit/>
           </a:bodyPr>
           <a:lstStyle/>
           <a:p>
@@ -9242,7 +9356,7 @@
               </a:lnSpc>
             </a:pPr>
             <a:r>
-              <a:rPr lang="en-US" sz="2400" dirty="0"/>
+              <a:rPr lang="en-US" sz="2400" dirty="0" smtClean="0"/>
               <a:t>It’s more likely to get a 6 and less likely to get a 1</a:t>
             </a:r>
           </a:p>
@@ -9253,7 +9367,7 @@
               </a:lnSpc>
             </a:pPr>
             <a:r>
-              <a:rPr lang="en-US" sz="1900" dirty="0"/>
+              <a:rPr lang="en-US" sz="1900" dirty="0" smtClean="0"/>
               <a:t>p(6) &gt; p(1)</a:t>
             </a:r>
           </a:p>
@@ -9275,15 +9389,23 @@
               </a:lnSpc>
             </a:pPr>
             <a:r>
-              <a:rPr lang="en-US" sz="2400" dirty="0"/>
+              <a:rPr lang="en-US" sz="2400" dirty="0" smtClean="0"/>
               <a:t>What if you toss the die 1000 times, </a:t>
             </a:r>
             <a:br>
-              <a:rPr lang="en-US" sz="2400" dirty="0"/>
+              <a:rPr lang="en-US" sz="2400" dirty="0" smtClean="0"/>
             </a:br>
             <a:r>
-              <a:rPr lang="en-US" sz="2400" dirty="0"/>
-              <a:t>and observe “6” 501 times, “1” 108 times?</a:t>
+              <a:rPr lang="en-US" sz="2400" dirty="0" smtClean="0"/>
+              <a:t>and observe “6” 501 times, </a:t>
+            </a:r>
+            <a:r>
+              <a:rPr lang="en-US" sz="2400" dirty="0" smtClean="0"/>
+              <a:t>“</a:t>
+            </a:r>
+            <a:r>
+              <a:rPr lang="en-US" sz="2400" dirty="0" smtClean="0"/>
+              <a:t>1” 108 times?</a:t>
             </a:r>
           </a:p>
           <a:p>
@@ -9294,7 +9416,11 @@
             </a:pPr>
             <a:r>
               <a:rPr lang="en-US" sz="1900" dirty="0"/>
-              <a:t>p(6) = 501/1000 = 0.501</a:t>
+              <a:t>p</a:t>
+            </a:r>
+            <a:r>
+              <a:rPr lang="en-US" sz="1900" dirty="0" smtClean="0"/>
+              <a:t>(6) = 501/1000 = 0.501</a:t>
             </a:r>
           </a:p>
           <a:p>
@@ -9304,7 +9430,7 @@
               </a:lnSpc>
             </a:pPr>
             <a:r>
-              <a:rPr lang="en-US" sz="1900" dirty="0"/>
+              <a:rPr lang="en-US" sz="1900" dirty="0" smtClean="0"/>
               <a:t>p(1) = 108/1000 = 0.108</a:t>
             </a:r>
           </a:p>
@@ -9315,7 +9441,7 @@
               </a:lnSpc>
             </a:pPr>
             <a:r>
-              <a:rPr lang="en-US" sz="1900" dirty="0"/>
+              <a:rPr lang="en-US" sz="1900" dirty="0" smtClean="0"/>
               <a:t>As simple as counting, but principled – maximum likelihood estimate</a:t>
             </a:r>
           </a:p>
@@ -9368,17 +9494,18 @@
           <a:lstStyle/>
           <a:p>
             <a:r>
-              <a:rPr lang="en-US" sz="1600" dirty="0"/>
+              <a:rPr lang="en-US" sz="1600" dirty="0" smtClean="0"/>
               <a:t>[slide from </a:t>
             </a:r>
             <a:r>
-              <a:rPr lang="en-US" sz="1600" dirty="0" err="1"/>
+              <a:rPr lang="en-US" sz="1600" dirty="0" err="1" smtClean="0"/>
               <a:t>Qiaozhu</a:t>
             </a:r>
             <a:r>
-              <a:rPr lang="en-US" sz="1600" dirty="0"/>
+              <a:rPr lang="en-US" sz="1600" dirty="0" smtClean="0"/>
               <a:t> Mei]</a:t>
             </a:r>
+            <a:endParaRPr lang="en-US" sz="1600" dirty="0"/>
           </a:p>
         </p:txBody>
       </p:sp>
@@ -9392,6 +9519,13 @@
   <p:clrMapOvr>
     <a:masterClrMapping/>
   </p:clrMapOvr>
+  <p:timing>
+    <p:tnLst>
+      <p:par>
+        <p:cTn id="1" dur="indefinite" restart="never" nodeType="tmRoot"/>
+      </p:par>
+    </p:tnLst>
+  </p:timing>
 </p:sld>
 </file>
 
@@ -9428,9 +9562,10 @@
           <a:lstStyle/>
           <a:p>
             <a:r>
-              <a:rPr lang="en-US" dirty="0"/>
+              <a:rPr lang="en-US" dirty="0" smtClean="0"/>
               <a:t>What if the Die has More Faces?</a:t>
             </a:r>
+            <a:endParaRPr lang="en-US" dirty="0"/>
           </a:p>
         </p:txBody>
       </p:sp>
@@ -9457,34 +9592,35 @@
           <a:lstStyle/>
           <a:p>
             <a:r>
-              <a:rPr lang="en-US" sz="2400" dirty="0"/>
+              <a:rPr lang="en-US" sz="2400" dirty="0" smtClean="0"/>
               <a:t>Suitable to represent documents</a:t>
             </a:r>
           </a:p>
           <a:p>
             <a:r>
-              <a:rPr lang="en-US" sz="2400" dirty="0"/>
+              <a:rPr lang="en-US" sz="2400" dirty="0" smtClean="0"/>
               <a:t>Every face corresponds to a word in vocabulary</a:t>
             </a:r>
           </a:p>
           <a:p>
             <a:r>
-              <a:rPr lang="en-US" sz="2400" dirty="0"/>
+              <a:rPr lang="en-US" sz="2400" dirty="0" smtClean="0"/>
               <a:t>The author tosses a die </a:t>
             </a:r>
             <a:br>
-              <a:rPr lang="en-US" sz="2400" dirty="0"/>
+              <a:rPr lang="en-US" sz="2400" dirty="0" smtClean="0"/>
             </a:br>
             <a:r>
-              <a:rPr lang="en-US" sz="2400" dirty="0"/>
+              <a:rPr lang="en-US" sz="2400" dirty="0" smtClean="0"/>
               <a:t>to write a word</a:t>
             </a:r>
           </a:p>
           <a:p>
             <a:r>
-              <a:rPr lang="en-US" sz="2400" dirty="0"/>
+              <a:rPr lang="en-US" sz="2400" dirty="0" smtClean="0"/>
               <a:t>Apparently, an unfair die</a:t>
             </a:r>
+            <a:endParaRPr lang="en-US" sz="2400" dirty="0"/>
           </a:p>
         </p:txBody>
       </p:sp>
@@ -9535,17 +9671,18 @@
           <a:lstStyle/>
           <a:p>
             <a:r>
-              <a:rPr lang="en-US" sz="1600" dirty="0"/>
+              <a:rPr lang="en-US" sz="1600" dirty="0" smtClean="0"/>
               <a:t>[slide from </a:t>
             </a:r>
             <a:r>
-              <a:rPr lang="en-US" sz="1600" dirty="0" err="1"/>
+              <a:rPr lang="en-US" sz="1600" dirty="0" err="1" smtClean="0"/>
               <a:t>Qiaozhu</a:t>
             </a:r>
             <a:r>
-              <a:rPr lang="en-US" sz="1600" dirty="0"/>
+              <a:rPr lang="en-US" sz="1600" dirty="0" smtClean="0"/>
               <a:t> Mei]</a:t>
             </a:r>
+            <a:endParaRPr lang="en-US" sz="1600" dirty="0"/>
           </a:p>
         </p:txBody>
       </p:sp>
@@ -9559,6 +9696,13 @@
   <p:clrMapOvr>
     <a:masterClrMapping/>
   </p:clrMapOvr>
+  <p:timing>
+    <p:tnLst>
+      <p:par>
+        <p:cTn id="1" dur="indefinite" restart="never" nodeType="tmRoot"/>
+      </p:par>
+    </p:tnLst>
+  </p:timing>
 </p:sld>
 </file>
 
@@ -9600,11 +9744,14 @@
           <a:lstStyle/>
           <a:p>
             <a:r>
-              <a:rPr lang="en-US" sz="18000" dirty="0">
+              <a:rPr lang="en-US" sz="18000" dirty="0" smtClean="0">
                 <a:latin typeface="Rockwell Extra Bold" panose="02060903040505020403" pitchFamily="18" charset="0"/>
               </a:rPr>
               <a:t>NLP</a:t>
             </a:r>
+            <a:endParaRPr lang="en-US" sz="18000" dirty="0">
+              <a:latin typeface="Rockwell Extra Bold" panose="02060903040505020403" pitchFamily="18" charset="0"/>
+            </a:endParaRPr>
           </a:p>
         </p:txBody>
       </p:sp>
@@ -9618,6 +9765,13 @@
   <p:clrMapOvr>
     <a:masterClrMapping/>
   </p:clrMapOvr>
+  <p:timing>
+    <p:tnLst>
+      <p:par>
+        <p:cTn id="1" dur="indefinite" restart="never" nodeType="tmRoot"/>
+      </p:par>
+    </p:tnLst>
+  </p:timing>
 </p:sld>
 </file>
 
@@ -9654,9 +9808,10 @@
           <a:lstStyle/>
           <a:p>
             <a:r>
-              <a:rPr lang="en-US" dirty="0"/>
+              <a:rPr lang="en-US" dirty="0" smtClean="0"/>
               <a:t>Introduction to NLP</a:t>
             </a:r>
+            <a:endParaRPr lang="en-US" dirty="0"/>
           </a:p>
         </p:txBody>
       </p:sp>
@@ -9676,9 +9831,14 @@
           <a:lstStyle/>
           <a:p>
             <a:r>
-              <a:rPr lang="en-US" dirty="0"/>
-              <a:t>Bayes Theorem</a:t>
-            </a:r>
+              <a:rPr lang="en-US" dirty="0" smtClean="0"/>
+              <a:t>Bayes </a:t>
+            </a:r>
+            <a:r>
+              <a:rPr lang="en-US" dirty="0" smtClean="0"/>
+              <a:t>Theorem</a:t>
+            </a:r>
+            <a:endParaRPr lang="en-US" dirty="0"/>
           </a:p>
         </p:txBody>
       </p:sp>
@@ -9692,6 +9852,13 @@
   <p:clrMapOvr>
     <a:masterClrMapping/>
   </p:clrMapOvr>
+  <p:timing>
+    <p:tnLst>
+      <p:par>
+        <p:cTn id="1" dur="indefinite" restart="never" nodeType="tmRoot"/>
+      </p:par>
+    </p:tnLst>
+  </p:timing>
 </p:sld>
 </file>
 
@@ -9728,8 +9895,12 @@
           <a:lstStyle/>
           <a:p>
             <a:r>
-              <a:rPr lang="en-US" altLang="en-US" dirty="0"/>
-              <a:t>Bayes Theorem</a:t>
+              <a:rPr lang="en-US" altLang="en-US" dirty="0" smtClean="0"/>
+              <a:t>Bayes </a:t>
+            </a:r>
+            <a:r>
+              <a:rPr lang="en-US" altLang="en-US" dirty="0" smtClean="0"/>
+              <a:t>Theorem</a:t>
             </a:r>
           </a:p>
         </p:txBody>
@@ -9757,7 +9928,7 @@
           <a:lstStyle/>
           <a:p>
             <a:r>
-              <a:rPr lang="en-US" altLang="en-US" sz="2800" dirty="0"/>
+              <a:rPr lang="en-US" altLang="en-US" sz="2800" dirty="0" smtClean="0"/>
               <a:t>Formula for joint probability</a:t>
             </a:r>
           </a:p>
@@ -9766,7 +9937,7 @@
               <a:buNone/>
             </a:pPr>
             <a:r>
-              <a:rPr lang="en-US" altLang="en-US" sz="2400" dirty="0"/>
+              <a:rPr lang="en-US" altLang="en-US" sz="2400" dirty="0" smtClean="0"/>
               <a:t>p(A,B) = p(B|A)p(A)</a:t>
             </a:r>
           </a:p>
@@ -9775,13 +9946,13 @@
               <a:buNone/>
             </a:pPr>
             <a:r>
-              <a:rPr lang="en-US" altLang="en-US" sz="2400" dirty="0"/>
+              <a:rPr lang="en-US" altLang="en-US" sz="2400" dirty="0" smtClean="0"/>
               <a:t>p(A,B) = p(A|B)p(B)</a:t>
             </a:r>
           </a:p>
           <a:p>
             <a:r>
-              <a:rPr lang="en-US" altLang="en-US" sz="2800" dirty="0"/>
+              <a:rPr lang="en-US" altLang="en-US" sz="2800" dirty="0" smtClean="0"/>
               <a:t>Therefore</a:t>
             </a:r>
           </a:p>
@@ -9790,18 +9961,18 @@
               <a:buNone/>
             </a:pPr>
             <a:r>
-              <a:rPr lang="en-US" altLang="en-US" sz="2400" dirty="0"/>
+              <a:rPr lang="en-US" altLang="en-US" sz="2400" dirty="0" smtClean="0"/>
               <a:t>p(B|A) = p(A|B)p(B)/p(A)</a:t>
             </a:r>
           </a:p>
           <a:p>
             <a:r>
-              <a:rPr lang="en-US" altLang="en-US" sz="2800" dirty="0"/>
+              <a:rPr lang="en-US" altLang="en-US" sz="2800" dirty="0" smtClean="0"/>
               <a:t>Bayes’ theorem is used to calculate P(A|B) given P(B|A)</a:t>
             </a:r>
           </a:p>
           <a:p>
-            <a:endParaRPr lang="en-US" altLang="en-US" sz="2800" dirty="0"/>
+            <a:endParaRPr lang="en-US" altLang="en-US" sz="2800" dirty="0" smtClean="0"/>
           </a:p>
         </p:txBody>
       </p:sp>
@@ -9815,6 +9986,13 @@
   <p:clrMapOvr>
     <a:masterClrMapping/>
   </p:clrMapOvr>
+  <p:timing>
+    <p:tnLst>
+      <p:par>
+        <p:cTn id="1" dur="indefinite" restart="never" nodeType="tmRoot"/>
+      </p:par>
+    </p:tnLst>
+  </p:timing>
 </p:sld>
 </file>
 
@@ -9851,7 +10029,7 @@
           <a:lstStyle/>
           <a:p>
             <a:r>
-              <a:rPr lang="en-US" altLang="en-US" dirty="0"/>
+              <a:rPr lang="en-US" altLang="en-US" dirty="0" smtClean="0"/>
               <a:t>Example</a:t>
             </a:r>
           </a:p>
@@ -9880,7 +10058,7 @@
           <a:lstStyle/>
           <a:p>
             <a:r>
-              <a:rPr lang="en-US" altLang="en-US" sz="3200" dirty="0">
+              <a:rPr lang="en-US" altLang="en-US" sz="3200" dirty="0" smtClean="0">
                 <a:sym typeface="Symbol" pitchFamily="18" charset="2"/>
               </a:rPr>
               <a:t>Diagnostic test</a:t>
@@ -9888,7 +10066,7 @@
           </a:p>
           <a:p>
             <a:r>
-              <a:rPr lang="en-US" altLang="en-US" sz="3200" dirty="0">
+              <a:rPr lang="en-US" altLang="en-US" sz="3200" dirty="0" smtClean="0">
                 <a:sym typeface="Symbol" pitchFamily="18" charset="2"/>
               </a:rPr>
               <a:t>Test accuracy</a:t>
@@ -9899,12 +10077,12 @@
               <a:buNone/>
             </a:pPr>
             <a:r>
-              <a:rPr lang="en-US" altLang="en-US" sz="2400" dirty="0">
+              <a:rPr lang="en-US" altLang="en-US" sz="2400" dirty="0" smtClean="0">
                 <a:sym typeface="Symbol" pitchFamily="18" charset="2"/>
               </a:rPr>
               <a:t>p(positive | disease) = 0.05           – false positive</a:t>
             </a:r>
-            <a:endParaRPr lang="en-US" altLang="en-US" dirty="0">
+            <a:endParaRPr lang="en-US" altLang="en-US" dirty="0" smtClean="0">
               <a:solidFill>
                 <a:schemeClr val="accent1"/>
               </a:solidFill>
@@ -9917,12 +10095,12 @@
               <a:buNone/>
             </a:pPr>
             <a:r>
-              <a:rPr lang="en-US" altLang="en-US" sz="2400" dirty="0">
+              <a:rPr lang="en-US" altLang="en-US" sz="2400" dirty="0" smtClean="0">
                 <a:sym typeface="Symbol" pitchFamily="18" charset="2"/>
               </a:rPr>
               <a:t>p(negative | disease) = 0.05            – false negative</a:t>
             </a:r>
-            <a:endParaRPr lang="en-US" altLang="en-US" dirty="0">
+            <a:endParaRPr lang="en-US" altLang="en-US" dirty="0" smtClean="0">
               <a:solidFill>
                 <a:schemeClr val="accent1"/>
               </a:solidFill>
@@ -9935,10 +10113,33 @@
               <a:buNone/>
             </a:pPr>
             <a:r>
+              <a:rPr lang="en-US" altLang="en-US" sz="2400" dirty="0" smtClean="0">
+                <a:sym typeface="Symbol" pitchFamily="18" charset="2"/>
+              </a:rPr>
+              <a:t>So: p(positive | disease) = 1-0.05 = 0.95</a:t>
+            </a:r>
+          </a:p>
+          <a:p>
+            <a:pPr marL="457200" lvl="1" indent="0">
+              <a:buNone/>
+            </a:pPr>
+            <a:r>
+              <a:rPr lang="en-US" altLang="en-US" sz="2400" dirty="0" smtClean="0">
+                <a:sym typeface="Symbol" pitchFamily="18" charset="2"/>
+              </a:rPr>
+              <a:t>Same for p(negative | </a:t>
+            </a:r>
+            <a:r>
               <a:rPr lang="en-US" altLang="en-US" sz="2400" dirty="0">
                 <a:sym typeface="Symbol" pitchFamily="18" charset="2"/>
               </a:rPr>
-              <a:t>So: p(positive | disease) = 1-0.05 = 0.95</a:t>
+              <a:t></a:t>
+            </a:r>
+            <a:r>
+              <a:rPr lang="en-US" altLang="en-US" sz="2400" dirty="0" smtClean="0">
+                <a:sym typeface="Symbol" pitchFamily="18" charset="2"/>
+              </a:rPr>
+              <a:t>disease)</a:t>
             </a:r>
           </a:p>
           <a:p>
@@ -9946,18 +10147,7 @@
               <a:buNone/>
             </a:pPr>
             <a:r>
-              <a:rPr lang="en-US" altLang="en-US" sz="2400" dirty="0">
-                <a:sym typeface="Symbol" pitchFamily="18" charset="2"/>
-              </a:rPr>
-              <a:t>Same for p(negative | disease)</a:t>
-            </a:r>
-          </a:p>
-          <a:p>
-            <a:pPr marL="457200" lvl="1" indent="0">
-              <a:buNone/>
-            </a:pPr>
-            <a:r>
-              <a:rPr lang="en-US" altLang="en-US" sz="2400" dirty="0">
+              <a:rPr lang="en-US" altLang="en-US" sz="2400" dirty="0" smtClean="0">
                 <a:sym typeface="Symbol" pitchFamily="18" charset="2"/>
               </a:rPr>
               <a:t>In general the rates of false positives and false negatives are different</a:t>
@@ -9975,6 +10165,13 @@
   <p:clrMapOvr>
     <a:masterClrMapping/>
   </p:clrMapOvr>
+  <p:timing>
+    <p:tnLst>
+      <p:par>
+        <p:cTn id="1" dur="indefinite" restart="never" nodeType="tmRoot"/>
+      </p:par>
+    </p:tnLst>
+  </p:timing>
 </p:sld>
 </file>
 
@@ -10011,9 +10208,10 @@
           <a:lstStyle/>
           <a:p>
             <a:r>
-              <a:rPr lang="en-US" dirty="0"/>
+              <a:rPr lang="en-US" dirty="0" smtClean="0"/>
               <a:t>Example</a:t>
             </a:r>
+            <a:endParaRPr lang="en-US" dirty="0"/>
           </a:p>
         </p:txBody>
       </p:sp>
@@ -10038,9 +10236,10 @@
           <a:lstStyle/>
           <a:p>
             <a:r>
-              <a:rPr lang="en-US" dirty="0"/>
+              <a:rPr lang="en-US" dirty="0" smtClean="0"/>
               <a:t>Diagnostic test with errors</a:t>
             </a:r>
+            <a:endParaRPr lang="en-US" dirty="0"/>
           </a:p>
         </p:txBody>
       </p:sp>
@@ -10070,28 +10269,28 @@
                 <a:gridCol w="1737013">
                   <a:extLst>
                     <a:ext uri="{9D8B030D-6E8A-4147-A177-3AD203B41FA5}">
-                      <a16:colId xmlns:a16="http://schemas.microsoft.com/office/drawing/2014/main" val="20000"/>
+                      <a16:colId xmlns:a16="http://schemas.microsoft.com/office/drawing/2014/main" xmlns="" val="20000"/>
                     </a:ext>
                   </a:extLst>
                 </a:gridCol>
                 <a:gridCol w="884582">
                   <a:extLst>
                     <a:ext uri="{9D8B030D-6E8A-4147-A177-3AD203B41FA5}">
-                      <a16:colId xmlns:a16="http://schemas.microsoft.com/office/drawing/2014/main" val="20001"/>
+                      <a16:colId xmlns:a16="http://schemas.microsoft.com/office/drawing/2014/main" xmlns="" val="20001"/>
                     </a:ext>
                   </a:extLst>
                 </a:gridCol>
                 <a:gridCol w="1351722">
                   <a:extLst>
                     <a:ext uri="{9D8B030D-6E8A-4147-A177-3AD203B41FA5}">
-                      <a16:colId xmlns:a16="http://schemas.microsoft.com/office/drawing/2014/main" val="20002"/>
+                      <a16:colId xmlns:a16="http://schemas.microsoft.com/office/drawing/2014/main" xmlns="" val="20002"/>
                     </a:ext>
                   </a:extLst>
                 </a:gridCol>
                 <a:gridCol w="1570383">
                   <a:extLst>
                     <a:ext uri="{9D8B030D-6E8A-4147-A177-3AD203B41FA5}">
-                      <a16:colId xmlns:a16="http://schemas.microsoft.com/office/drawing/2014/main" val="20003"/>
+                      <a16:colId xmlns:a16="http://schemas.microsoft.com/office/drawing/2014/main" xmlns="" val="20003"/>
                     </a:ext>
                   </a:extLst>
                 </a:gridCol>
@@ -10104,9 +10303,10 @@
                     <a:p>
                       <a:pPr algn="ctr"/>
                       <a:r>
-                        <a:rPr lang="en-US" sz="3200" dirty="0"/>
+                        <a:rPr lang="en-US" sz="3200" dirty="0" smtClean="0"/>
                         <a:t>P(A|B)</a:t>
                       </a:r>
+                      <a:endParaRPr lang="en-US" sz="3200" dirty="0"/>
                     </a:p>
                   </a:txBody>
                   <a:tcPr anchor="ctr"/>
@@ -10128,9 +10328,10 @@
                     <a:p>
                       <a:pPr algn="ctr"/>
                       <a:r>
-                        <a:rPr lang="en-US" sz="2000" dirty="0"/>
+                        <a:rPr lang="en-US" sz="2000" dirty="0" smtClean="0"/>
                         <a:t>A=TEST</a:t>
                       </a:r>
+                      <a:endParaRPr lang="en-US" sz="2000" dirty="0"/>
                     </a:p>
                   </a:txBody>
                   <a:tcPr/>
@@ -10147,7 +10348,7 @@
                 </a:tc>
                 <a:extLst>
                   <a:ext uri="{0D108BD9-81ED-4DB2-BD59-A6C34878D82A}">
-                    <a16:rowId xmlns:a16="http://schemas.microsoft.com/office/drawing/2014/main" val="10000"/>
+                    <a16:rowId xmlns:a16="http://schemas.microsoft.com/office/drawing/2014/main" xmlns="" val="10000"/>
                   </a:ext>
                 </a:extLst>
               </a:tr>
@@ -10179,9 +10380,10 @@
                     <a:p>
                       <a:pPr algn="ctr"/>
                       <a:r>
-                        <a:rPr lang="en-US" sz="2000" dirty="0"/>
+                        <a:rPr lang="en-US" sz="2000" dirty="0" smtClean="0"/>
                         <a:t>Positive</a:t>
                       </a:r>
+                      <a:endParaRPr lang="en-US" sz="2000" dirty="0"/>
                     </a:p>
                   </a:txBody>
                   <a:tcPr/>
@@ -10193,16 +10395,17 @@
                     <a:p>
                       <a:pPr algn="ctr"/>
                       <a:r>
-                        <a:rPr lang="en-US" sz="2000" dirty="0"/>
+                        <a:rPr lang="en-US" sz="2000" dirty="0" smtClean="0"/>
                         <a:t>Negative</a:t>
                       </a:r>
+                      <a:endParaRPr lang="en-US" sz="2000" dirty="0"/>
                     </a:p>
                   </a:txBody>
                   <a:tcPr/>
                 </a:tc>
                 <a:extLst>
                   <a:ext uri="{0D108BD9-81ED-4DB2-BD59-A6C34878D82A}">
-                    <a16:rowId xmlns:a16="http://schemas.microsoft.com/office/drawing/2014/main" val="10001"/>
+                    <a16:rowId xmlns:a16="http://schemas.microsoft.com/office/drawing/2014/main" xmlns="" val="10001"/>
                   </a:ext>
                 </a:extLst>
               </a:tr>
@@ -10214,9 +10417,10 @@
                     <a:p>
                       <a:pPr algn="ctr"/>
                       <a:r>
-                        <a:rPr lang="en-US" sz="2000" dirty="0"/>
+                        <a:rPr lang="en-US" sz="2000" dirty="0" smtClean="0"/>
                         <a:t>B=DISEASE</a:t>
                       </a:r>
+                      <a:endParaRPr lang="en-US" sz="2000" dirty="0"/>
                     </a:p>
                   </a:txBody>
                   <a:tcPr anchor="ctr"/>
@@ -10228,9 +10432,10 @@
                     <a:p>
                       <a:pPr algn="ctr"/>
                       <a:r>
-                        <a:rPr lang="en-US" sz="2000" dirty="0"/>
+                        <a:rPr lang="en-US" sz="2000" dirty="0" smtClean="0"/>
                         <a:t>Yes</a:t>
                       </a:r>
+                      <a:endParaRPr lang="en-US" sz="2000" dirty="0"/>
                     </a:p>
                   </a:txBody>
                   <a:tcPr/>
@@ -10242,9 +10447,10 @@
                     <a:p>
                       <a:pPr algn="ctr"/>
                       <a:r>
-                        <a:rPr lang="en-US" sz="2000" dirty="0"/>
+                        <a:rPr lang="en-US" sz="2000" dirty="0" smtClean="0"/>
                         <a:t>0.95</a:t>
                       </a:r>
+                      <a:endParaRPr lang="en-US" sz="2000" dirty="0"/>
                     </a:p>
                   </a:txBody>
                   <a:tcPr/>
@@ -10256,16 +10462,17 @@
                     <a:p>
                       <a:pPr algn="ctr"/>
                       <a:r>
-                        <a:rPr lang="en-US" sz="2000" dirty="0"/>
+                        <a:rPr lang="en-US" sz="2000" dirty="0" smtClean="0"/>
                         <a:t>0.05</a:t>
                       </a:r>
+                      <a:endParaRPr lang="en-US" sz="2000" dirty="0"/>
                     </a:p>
                   </a:txBody>
                   <a:tcPr/>
                 </a:tc>
                 <a:extLst>
                   <a:ext uri="{0D108BD9-81ED-4DB2-BD59-A6C34878D82A}">
-                    <a16:rowId xmlns:a16="http://schemas.microsoft.com/office/drawing/2014/main" val="10002"/>
+                    <a16:rowId xmlns:a16="http://schemas.microsoft.com/office/drawing/2014/main" xmlns="" val="10002"/>
                   </a:ext>
                 </a:extLst>
               </a:tr>
@@ -10287,9 +10494,10 @@
                     <a:p>
                       <a:pPr algn="ctr"/>
                       <a:r>
-                        <a:rPr lang="en-US" sz="2000" dirty="0"/>
+                        <a:rPr lang="en-US" sz="2000" dirty="0" smtClean="0"/>
                         <a:t>No</a:t>
                       </a:r>
+                      <a:endParaRPr lang="en-US" sz="2000" dirty="0"/>
                     </a:p>
                   </a:txBody>
                   <a:tcPr/>
@@ -10301,9 +10509,10 @@
                     <a:p>
                       <a:pPr algn="ctr"/>
                       <a:r>
-                        <a:rPr lang="en-US" sz="2000" dirty="0"/>
+                        <a:rPr lang="en-US" sz="2000" dirty="0" smtClean="0"/>
                         <a:t>0.05</a:t>
                       </a:r>
+                      <a:endParaRPr lang="en-US" sz="2000" dirty="0"/>
                     </a:p>
                   </a:txBody>
                   <a:tcPr/>
@@ -10315,16 +10524,17 @@
                     <a:p>
                       <a:pPr algn="ctr"/>
                       <a:r>
-                        <a:rPr lang="en-US" sz="2000" dirty="0"/>
+                        <a:rPr lang="en-US" sz="2000" dirty="0" smtClean="0"/>
                         <a:t>0.95</a:t>
                       </a:r>
+                      <a:endParaRPr lang="en-US" sz="2000" dirty="0"/>
                     </a:p>
                   </a:txBody>
                   <a:tcPr/>
                 </a:tc>
                 <a:extLst>
                   <a:ext uri="{0D108BD9-81ED-4DB2-BD59-A6C34878D82A}">
-                    <a16:rowId xmlns:a16="http://schemas.microsoft.com/office/drawing/2014/main" val="10003"/>
+                    <a16:rowId xmlns:a16="http://schemas.microsoft.com/office/drawing/2014/main" xmlns="" val="10003"/>
                   </a:ext>
                 </a:extLst>
               </a:tr>
@@ -10342,6 +10552,13 @@
   <p:clrMapOvr>
     <a:masterClrMapping/>
   </p:clrMapOvr>
+  <p:timing>
+    <p:tnLst>
+      <p:par>
+        <p:cTn id="1" dur="indefinite" restart="never" nodeType="tmRoot"/>
+      </p:par>
+    </p:tnLst>
+  </p:timing>
 </p:sld>
 </file>
 
@@ -10378,7 +10595,7 @@
           <a:lstStyle/>
           <a:p>
             <a:r>
-              <a:rPr lang="en-US" altLang="en-US" dirty="0"/>
+              <a:rPr lang="en-US" altLang="en-US" dirty="0" smtClean="0"/>
               <a:t>Example</a:t>
             </a:r>
           </a:p>
@@ -10407,7 +10624,7 @@
           <a:lstStyle/>
           <a:p>
             <a:r>
-              <a:rPr lang="en-US" altLang="en-US" sz="3200" dirty="0">
+              <a:rPr lang="en-US" altLang="en-US" sz="3200" dirty="0" smtClean="0">
                 <a:sym typeface="Symbol" pitchFamily="18" charset="2"/>
               </a:rPr>
               <a:t>What is p(disease | positive)?</a:t>
@@ -10416,7 +10633,7 @@
           <a:p>
             <a:pPr lvl="1"/>
             <a:r>
-              <a:rPr lang="en-US" altLang="en-US" dirty="0">
+              <a:rPr lang="en-US" altLang="en-US" dirty="0" smtClean="0">
                 <a:sym typeface="Symbol" pitchFamily="18" charset="2"/>
               </a:rPr>
               <a:t>P(disease|positive) = P(positive|disease)*P(disease)/P(positive)</a:t>
@@ -10425,7 +10642,7 @@
           <a:p>
             <a:pPr lvl="1"/>
             <a:r>
-              <a:rPr lang="en-US" altLang="en-US" dirty="0">
+              <a:rPr lang="en-US" altLang="en-US" dirty="0" smtClean="0">
                 <a:sym typeface="Symbol" pitchFamily="18" charset="2"/>
               </a:rPr>
               <a:t>P(disease|positive) = P(positive| disease)*P(disease)/P(positive)</a:t>
@@ -10458,7 +10675,7 @@
               <a:t>disease|positive</a:t>
             </a:r>
             <a:r>
-              <a:rPr lang="en-US" altLang="en-US" dirty="0">
+              <a:rPr lang="en-US" altLang="en-US" dirty="0" smtClean="0">
                 <a:sym typeface="Symbol" pitchFamily="18" charset="2"/>
               </a:rPr>
               <a:t>) = ?</a:t>
@@ -10466,7 +10683,7 @@
           </a:p>
           <a:p>
             <a:r>
-              <a:rPr lang="en-US" altLang="en-US" sz="3200" dirty="0">
+              <a:rPr lang="en-US" altLang="en-US" sz="3200" dirty="0" smtClean="0">
                 <a:sym typeface="Symbol" pitchFamily="18" charset="2"/>
               </a:rPr>
               <a:t>We don’t really care about p(positive)</a:t>
@@ -10475,7 +10692,7 @@
           <a:p>
             <a:pPr lvl="1"/>
             <a:r>
-              <a:rPr lang="en-US" altLang="en-US" dirty="0">
+              <a:rPr lang="en-US" altLang="en-US" dirty="0" smtClean="0">
                 <a:sym typeface="Symbol" pitchFamily="18" charset="2"/>
               </a:rPr>
               <a:t>as long as it is not zero, we can divide both sides by this quantity</a:t>
@@ -10493,6 +10710,13 @@
   <p:clrMapOvr>
     <a:masterClrMapping/>
   </p:clrMapOvr>
+  <p:timing>
+    <p:tnLst>
+      <p:par>
+        <p:cTn id="1" dur="indefinite" restart="never" nodeType="tmRoot"/>
+      </p:par>
+    </p:tnLst>
+  </p:timing>
 </p:sld>
 </file>
 
@@ -10534,7 +10758,7 @@
           <a:lstStyle/>
           <a:p>
             <a:r>
-              <a:rPr lang="en-US" altLang="en-US" dirty="0"/>
+              <a:rPr lang="en-US" altLang="en-US" dirty="0" smtClean="0"/>
               <a:t>Example</a:t>
             </a:r>
           </a:p>
@@ -10563,42 +10787,42 @@
           <a:lstStyle/>
           <a:p>
             <a:r>
-              <a:rPr lang="en-US" altLang="en-US" sz="2000" dirty="0">
+              <a:rPr lang="en-US" altLang="en-US" sz="2000" dirty="0" smtClean="0">
                 <a:sym typeface="Symbol" pitchFamily="18" charset="2"/>
               </a:rPr>
               <a:t>P(</a:t>
             </a:r>
             <a:r>
-              <a:rPr lang="en-US" altLang="en-US" sz="2000" dirty="0" err="1">
+              <a:rPr lang="en-US" altLang="en-US" sz="2000" dirty="0" err="1" smtClean="0">
                 <a:sym typeface="Symbol" pitchFamily="18" charset="2"/>
               </a:rPr>
               <a:t>disease|positive</a:t>
             </a:r>
             <a:r>
-              <a:rPr lang="en-US" altLang="en-US" sz="2000" dirty="0">
+              <a:rPr lang="en-US" altLang="en-US" sz="2000" dirty="0" smtClean="0">
                 <a:sym typeface="Symbol" pitchFamily="18" charset="2"/>
               </a:rPr>
               <a:t>) / P(disease|positive) = </a:t>
             </a:r>
             <a:br>
-              <a:rPr lang="en-US" altLang="en-US" sz="2000" dirty="0">
+              <a:rPr lang="en-US" altLang="en-US" sz="2000" dirty="0" smtClean="0">
                 <a:sym typeface="Symbol" pitchFamily="18" charset="2"/>
               </a:rPr>
             </a:br>
             <a:r>
-              <a:rPr lang="en-US" altLang="en-US" sz="2000" dirty="0">
+              <a:rPr lang="en-US" altLang="en-US" sz="2000" dirty="0" smtClean="0">
                 <a:sym typeface="Symbol" pitchFamily="18" charset="2"/>
               </a:rPr>
               <a:t>	(P(</a:t>
             </a:r>
             <a:r>
-              <a:rPr lang="en-US" altLang="en-US" sz="2000" dirty="0" err="1">
+              <a:rPr lang="en-US" altLang="en-US" sz="2000" dirty="0" err="1" smtClean="0">
                 <a:sym typeface="Symbol" pitchFamily="18" charset="2"/>
               </a:rPr>
               <a:t>positive|disease</a:t>
             </a:r>
             <a:r>
-              <a:rPr lang="en-US" altLang="en-US" sz="2000" dirty="0">
+              <a:rPr lang="en-US" altLang="en-US" sz="2000" dirty="0" smtClean="0">
                 <a:sym typeface="Symbol" pitchFamily="18" charset="2"/>
               </a:rPr>
               <a:t>) x P(disease))/(P(positive|disease) x P(disease))</a:t>
@@ -10606,18 +10830,18 @@
           </a:p>
           <a:p>
             <a:r>
-              <a:rPr lang="en-US" altLang="en-US" sz="2000" dirty="0"/>
+              <a:rPr lang="en-US" altLang="en-US" sz="2000" dirty="0" smtClean="0"/>
               <a:t>Suppose P(disease) = 0.001  </a:t>
             </a:r>
           </a:p>
           <a:p>
             <a:pPr lvl="1"/>
             <a:r>
-              <a:rPr lang="en-US" altLang="en-US" sz="1600" dirty="0"/>
+              <a:rPr lang="en-US" altLang="en-US" sz="1600" dirty="0" smtClean="0"/>
               <a:t>so P(</a:t>
             </a:r>
             <a:r>
-              <a:rPr lang="en-US" altLang="en-US" sz="1600" dirty="0">
+              <a:rPr lang="en-US" altLang="en-US" sz="1600" dirty="0" smtClean="0">
                 <a:sym typeface="Symbol" pitchFamily="18" charset="2"/>
               </a:rPr>
               <a:t>disease) = 0.999</a:t>
@@ -10625,19 +10849,19 @@
           </a:p>
           <a:p>
             <a:r>
-              <a:rPr lang="en-US" altLang="en-US" sz="2000" dirty="0">
+              <a:rPr lang="en-US" altLang="en-US" sz="2000" dirty="0" smtClean="0">
                 <a:sym typeface="Symbol" pitchFamily="18" charset="2"/>
               </a:rPr>
               <a:t>P(</a:t>
             </a:r>
             <a:r>
-              <a:rPr lang="en-US" altLang="en-US" sz="2000" dirty="0" err="1">
+              <a:rPr lang="en-US" altLang="en-US" sz="2000" dirty="0" err="1" smtClean="0">
                 <a:sym typeface="Symbol" pitchFamily="18" charset="2"/>
               </a:rPr>
               <a:t>disease|positive</a:t>
             </a:r>
             <a:r>
-              <a:rPr lang="en-US" altLang="en-US" sz="2000" dirty="0">
+              <a:rPr lang="en-US" altLang="en-US" sz="2000" dirty="0" smtClean="0">
                 <a:sym typeface="Symbol" pitchFamily="18" charset="2"/>
               </a:rPr>
               <a:t>) / P(disease|positive) = (0.95 x 0.001)/(0.05 x 0.999) 	=0.019</a:t>
@@ -10645,19 +10869,19 @@
           </a:p>
           <a:p>
             <a:r>
-              <a:rPr lang="en-US" altLang="en-US" sz="2000" dirty="0">
+              <a:rPr lang="en-US" altLang="en-US" sz="2000" dirty="0" smtClean="0">
                 <a:sym typeface="Symbol" pitchFamily="18" charset="2"/>
               </a:rPr>
               <a:t>P(</a:t>
             </a:r>
             <a:r>
-              <a:rPr lang="en-US" altLang="en-US" sz="2000" dirty="0" err="1">
+              <a:rPr lang="en-US" altLang="en-US" sz="2000" dirty="0" err="1" smtClean="0">
                 <a:sym typeface="Symbol" pitchFamily="18" charset="2"/>
               </a:rPr>
               <a:t>disease|positive</a:t>
             </a:r>
             <a:r>
-              <a:rPr lang="en-US" altLang="en-US" sz="2000" dirty="0">
+              <a:rPr lang="en-US" altLang="en-US" sz="2000" dirty="0" smtClean="0">
                 <a:sym typeface="Symbol" pitchFamily="18" charset="2"/>
               </a:rPr>
               <a:t>) + P(disease|positive) = 1</a:t>
@@ -10665,7 +10889,7 @@
           </a:p>
           <a:p>
             <a:r>
-              <a:rPr lang="en-US" altLang="en-US" sz="2000" dirty="0">
+              <a:rPr lang="en-US" altLang="en-US" sz="2000" dirty="0" smtClean="0">
                 <a:sym typeface="Symbol" pitchFamily="18" charset="2"/>
               </a:rPr>
               <a:t>P(disease|positive) ≈ 0.02</a:t>
@@ -10673,7 +10897,7 @@
           </a:p>
           <a:p>
             <a:r>
-              <a:rPr lang="en-US" altLang="en-US" sz="2000" dirty="0">
+              <a:rPr lang="en-US" altLang="en-US" sz="2000" dirty="0" smtClean="0">
                 <a:sym typeface="Symbol" pitchFamily="18" charset="2"/>
               </a:rPr>
               <a:t>Notes</a:t>
@@ -10682,7 +10906,7 @@
           <a:p>
             <a:pPr lvl="1"/>
             <a:r>
-              <a:rPr lang="en-US" altLang="en-US" sz="1500" dirty="0">
+              <a:rPr lang="en-US" altLang="en-US" sz="1500" dirty="0" smtClean="0">
                 <a:sym typeface="Symbol" pitchFamily="18" charset="2"/>
               </a:rPr>
               <a:t>P(disease) is called the prior probability</a:t>
@@ -10691,7 +10915,7 @@
           <a:p>
             <a:pPr lvl="1"/>
             <a:r>
-              <a:rPr lang="en-US" altLang="en-US" sz="1500" dirty="0">
+              <a:rPr lang="en-US" altLang="en-US" sz="1500" dirty="0" smtClean="0">
                 <a:sym typeface="Symbol" pitchFamily="18" charset="2"/>
               </a:rPr>
               <a:t>P(disease|positive) is called the posterior probability</a:t>
@@ -10700,14 +10924,14 @@
           <a:p>
             <a:pPr lvl="1"/>
             <a:r>
-              <a:rPr lang="en-US" altLang="en-US" sz="1500" dirty="0">
+              <a:rPr lang="en-US" altLang="en-US" sz="1500" dirty="0" smtClean="0">
                 <a:sym typeface="Symbol" pitchFamily="18" charset="2"/>
               </a:rPr>
               <a:t>In this example the posterior is 20 times larger than the prior</a:t>
             </a:r>
           </a:p>
           <a:p>
-            <a:endParaRPr lang="en-US" altLang="en-US" sz="2000" dirty="0">
+            <a:endParaRPr lang="en-US" altLang="en-US" sz="2000" dirty="0" smtClean="0">
               <a:sym typeface="Symbol" pitchFamily="18" charset="2"/>
             </a:endParaRPr>
           </a:p>
@@ -10723,6 +10947,13 @@
   <p:clrMapOvr>
     <a:masterClrMapping/>
   </p:clrMapOvr>
+  <p:timing>
+    <p:tnLst>
+      <p:par>
+        <p:cTn id="1" dur="indefinite" restart="never" nodeType="tmRoot"/>
+      </p:par>
+    </p:tnLst>
+  </p:timing>
 </p:sld>
 </file>
 
@@ -10760,7 +10991,7 @@
           <a:p>
             <a:pPr eaLnBrk="1" hangingPunct="1"/>
             <a:r>
-              <a:rPr lang="en-US" altLang="en-US"/>
+              <a:rPr lang="en-US" altLang="en-US" smtClean="0"/>
               <a:t>Example</a:t>
             </a:r>
           </a:p>
@@ -10790,142 +11021,142 @@
           <a:p>
             <a:pPr eaLnBrk="1" hangingPunct="1"/>
             <a:r>
-              <a:rPr lang="en-US" altLang="en-US" sz="2800" dirty="0"/>
+              <a:rPr lang="en-US" altLang="en-US" sz="2800" dirty="0" smtClean="0"/>
               <a:t>p(well)=0.9, p(cold)=0.05, p(allergy)=0.05</a:t>
             </a:r>
           </a:p>
           <a:p>
             <a:pPr lvl="1" eaLnBrk="1" hangingPunct="1"/>
             <a:r>
-              <a:rPr lang="en-US" altLang="en-US" sz="2400" dirty="0"/>
+              <a:rPr lang="en-US" altLang="en-US" sz="2400" dirty="0" smtClean="0"/>
               <a:t>p(</a:t>
             </a:r>
             <a:r>
-              <a:rPr lang="en-US" altLang="en-US" sz="2400" dirty="0" err="1"/>
+              <a:rPr lang="en-US" altLang="en-US" sz="2400" dirty="0" err="1" smtClean="0"/>
               <a:t>sneeze|well</a:t>
             </a:r>
             <a:r>
-              <a:rPr lang="en-US" altLang="en-US" sz="2400" dirty="0"/>
+              <a:rPr lang="en-US" altLang="en-US" sz="2400" dirty="0" smtClean="0"/>
               <a:t>)=0.1</a:t>
             </a:r>
           </a:p>
           <a:p>
             <a:pPr lvl="1" eaLnBrk="1" hangingPunct="1"/>
             <a:r>
-              <a:rPr lang="en-US" altLang="en-US" sz="2400" dirty="0"/>
+              <a:rPr lang="en-US" altLang="en-US" sz="2400" dirty="0" smtClean="0"/>
               <a:t>p(</a:t>
             </a:r>
             <a:r>
-              <a:rPr lang="en-US" altLang="en-US" sz="2400" dirty="0" err="1"/>
+              <a:rPr lang="en-US" altLang="en-US" sz="2400" dirty="0" err="1" smtClean="0"/>
               <a:t>sneeze|cold</a:t>
             </a:r>
             <a:r>
-              <a:rPr lang="en-US" altLang="en-US" sz="2400" dirty="0"/>
+              <a:rPr lang="en-US" altLang="en-US" sz="2400" dirty="0" smtClean="0"/>
               <a:t>)=0.9</a:t>
             </a:r>
           </a:p>
           <a:p>
             <a:pPr lvl="1" eaLnBrk="1" hangingPunct="1"/>
             <a:r>
-              <a:rPr lang="en-US" altLang="en-US" sz="2400" dirty="0"/>
+              <a:rPr lang="en-US" altLang="en-US" sz="2400" dirty="0" smtClean="0"/>
               <a:t>p(</a:t>
             </a:r>
             <a:r>
-              <a:rPr lang="en-US" altLang="en-US" sz="2400" dirty="0" err="1"/>
+              <a:rPr lang="en-US" altLang="en-US" sz="2400" dirty="0" err="1" smtClean="0"/>
               <a:t>sneeze|allergy</a:t>
             </a:r>
             <a:r>
-              <a:rPr lang="en-US" altLang="en-US" sz="2400" dirty="0"/>
+              <a:rPr lang="en-US" altLang="en-US" sz="2400" dirty="0" smtClean="0"/>
               <a:t>)=0.9</a:t>
             </a:r>
           </a:p>
           <a:p>
             <a:pPr lvl="1" eaLnBrk="1" hangingPunct="1"/>
             <a:r>
-              <a:rPr lang="en-US" altLang="en-US" sz="2400" dirty="0"/>
+              <a:rPr lang="en-US" altLang="en-US" sz="2400" dirty="0" smtClean="0"/>
               <a:t>p(</a:t>
             </a:r>
             <a:r>
-              <a:rPr lang="en-US" altLang="en-US" sz="2400" dirty="0" err="1"/>
+              <a:rPr lang="en-US" altLang="en-US" sz="2400" dirty="0" err="1" smtClean="0"/>
               <a:t>cough|well</a:t>
             </a:r>
             <a:r>
-              <a:rPr lang="en-US" altLang="en-US" sz="2400" dirty="0"/>
+              <a:rPr lang="en-US" altLang="en-US" sz="2400" dirty="0" smtClean="0"/>
               <a:t>)=0.1</a:t>
             </a:r>
           </a:p>
           <a:p>
             <a:pPr lvl="1" eaLnBrk="1" hangingPunct="1"/>
             <a:r>
-              <a:rPr lang="en-US" altLang="en-US" sz="2400" dirty="0"/>
+              <a:rPr lang="en-US" altLang="en-US" sz="2400" dirty="0" smtClean="0"/>
               <a:t>p(</a:t>
             </a:r>
             <a:r>
-              <a:rPr lang="en-US" altLang="en-US" sz="2400" dirty="0" err="1"/>
+              <a:rPr lang="en-US" altLang="en-US" sz="2400" dirty="0" err="1" smtClean="0"/>
               <a:t>cough|cold</a:t>
             </a:r>
             <a:r>
-              <a:rPr lang="en-US" altLang="en-US" sz="2400" dirty="0"/>
+              <a:rPr lang="en-US" altLang="en-US" sz="2400" dirty="0" smtClean="0"/>
               <a:t>)=0.8</a:t>
             </a:r>
           </a:p>
           <a:p>
             <a:pPr lvl="1" eaLnBrk="1" hangingPunct="1"/>
             <a:r>
-              <a:rPr lang="en-US" altLang="en-US" sz="2400" dirty="0"/>
+              <a:rPr lang="en-US" altLang="en-US" sz="2400" dirty="0" smtClean="0"/>
               <a:t>p(</a:t>
             </a:r>
             <a:r>
-              <a:rPr lang="en-US" altLang="en-US" sz="2400" dirty="0" err="1"/>
+              <a:rPr lang="en-US" altLang="en-US" sz="2400" dirty="0" err="1" smtClean="0"/>
               <a:t>cough|allergy</a:t>
             </a:r>
             <a:r>
-              <a:rPr lang="en-US" altLang="en-US" sz="2400" dirty="0"/>
+              <a:rPr lang="en-US" altLang="en-US" sz="2400" dirty="0" smtClean="0"/>
               <a:t>)=0.7</a:t>
             </a:r>
           </a:p>
           <a:p>
             <a:pPr lvl="1" eaLnBrk="1" hangingPunct="1"/>
             <a:r>
-              <a:rPr lang="en-US" altLang="en-US" sz="2400" dirty="0"/>
+              <a:rPr lang="en-US" altLang="en-US" sz="2400" dirty="0" smtClean="0"/>
               <a:t>p(</a:t>
             </a:r>
             <a:r>
-              <a:rPr lang="en-US" altLang="en-US" sz="2400" dirty="0" err="1"/>
+              <a:rPr lang="en-US" altLang="en-US" sz="2400" dirty="0" err="1" smtClean="0"/>
               <a:t>fever|well</a:t>
             </a:r>
             <a:r>
-              <a:rPr lang="en-US" altLang="en-US" sz="2400" dirty="0"/>
+              <a:rPr lang="en-US" altLang="en-US" sz="2400" dirty="0" smtClean="0"/>
               <a:t>)=0.01</a:t>
             </a:r>
           </a:p>
           <a:p>
             <a:pPr lvl="1" eaLnBrk="1" hangingPunct="1"/>
             <a:r>
-              <a:rPr lang="en-US" altLang="en-US" sz="2400" dirty="0"/>
+              <a:rPr lang="en-US" altLang="en-US" sz="2400" dirty="0" smtClean="0"/>
               <a:t>p(</a:t>
             </a:r>
             <a:r>
-              <a:rPr lang="en-US" altLang="en-US" sz="2400" dirty="0" err="1"/>
+              <a:rPr lang="en-US" altLang="en-US" sz="2400" dirty="0" err="1" smtClean="0"/>
               <a:t>fever|cold</a:t>
             </a:r>
             <a:r>
-              <a:rPr lang="en-US" altLang="en-US" sz="2400" dirty="0"/>
+              <a:rPr lang="en-US" altLang="en-US" sz="2400" dirty="0" smtClean="0"/>
               <a:t>)=0.7</a:t>
             </a:r>
           </a:p>
           <a:p>
             <a:pPr lvl="1" eaLnBrk="1" hangingPunct="1"/>
             <a:r>
-              <a:rPr lang="en-US" altLang="en-US" sz="2400" dirty="0"/>
+              <a:rPr lang="en-US" altLang="en-US" sz="2400" dirty="0" smtClean="0"/>
               <a:t>p(</a:t>
             </a:r>
             <a:r>
-              <a:rPr lang="en-US" altLang="en-US" sz="2400" dirty="0" err="1"/>
+              <a:rPr lang="en-US" altLang="en-US" sz="2400" dirty="0" err="1" smtClean="0"/>
               <a:t>fever|allergy</a:t>
             </a:r>
             <a:r>
-              <a:rPr lang="en-US" altLang="en-US" sz="2400" dirty="0"/>
+              <a:rPr lang="en-US" altLang="en-US" sz="2400" dirty="0" smtClean="0"/>
               <a:t>)=0.4</a:t>
             </a:r>
           </a:p>
@@ -11126,6 +11357,21 @@
   <p:clrMapOvr>
     <a:masterClrMapping/>
   </p:clrMapOvr>
+  <mc:AlternateContent xmlns:mc="http://schemas.openxmlformats.org/markup-compatibility/2006" xmlns:p14="http://schemas.microsoft.com/office/powerpoint/2010/main">
+    <mc:Choice Requires="p14">
+      <p:transition spd="slow" p14:dur="2000"/>
+    </mc:Choice>
+    <mc:Fallback xmlns="">
+      <p:transition spd="slow"/>
+    </mc:Fallback>
+  </mc:AlternateContent>
+  <p:timing>
+    <p:tnLst>
+      <p:par>
+        <p:cTn id="1" dur="indefinite" restart="never" nodeType="tmRoot"/>
+      </p:par>
+    </p:tnLst>
+  </p:timing>
 </p:sld>
 </file>
 
@@ -11163,7 +11409,7 @@
           <a:p>
             <a:pPr eaLnBrk="1" hangingPunct="1"/>
             <a:r>
-              <a:rPr lang="en-US" altLang="en-US"/>
+              <a:rPr lang="en-US" altLang="en-US" smtClean="0"/>
               <a:t>Example (cont’d)</a:t>
             </a:r>
           </a:p>
@@ -11187,110 +11433,110 @@
         </p:spPr>
         <p:txBody>
           <a:bodyPr>
-            <a:normAutofit fontScale="92500" lnSpcReduction="20000"/>
+            <a:normAutofit fontScale="92500" lnSpcReduction="10000"/>
           </a:bodyPr>
           <a:lstStyle/>
           <a:p>
             <a:pPr eaLnBrk="1" hangingPunct="1"/>
             <a:r>
-              <a:rPr lang="en-US" altLang="en-US" sz="2800" dirty="0"/>
+              <a:rPr lang="en-US" altLang="en-US" sz="2800" dirty="0" smtClean="0"/>
               <a:t>Features: sneeze, cough, no fever</a:t>
             </a:r>
           </a:p>
           <a:p>
             <a:pPr eaLnBrk="1" hangingPunct="1"/>
             <a:r>
-              <a:rPr lang="en-US" altLang="en-US" sz="2800" dirty="0"/>
+              <a:rPr lang="en-US" altLang="en-US" sz="2800" dirty="0" smtClean="0"/>
               <a:t>P(</a:t>
             </a:r>
             <a:r>
-              <a:rPr lang="en-US" altLang="en-US" sz="2800" dirty="0" err="1"/>
+              <a:rPr lang="en-US" altLang="en-US" sz="2800" dirty="0" err="1" smtClean="0"/>
               <a:t>well|e</a:t>
             </a:r>
             <a:r>
-              <a:rPr lang="en-US" altLang="en-US" sz="2800" dirty="0"/>
+              <a:rPr lang="en-US" altLang="en-US" sz="2800" dirty="0" smtClean="0"/>
               <a:t>)=(.9) * (.1)(.1)(.99) / p(e)=0.0089/p(e)</a:t>
             </a:r>
           </a:p>
           <a:p>
             <a:pPr eaLnBrk="1" hangingPunct="1"/>
             <a:r>
-              <a:rPr lang="en-US" altLang="en-US" sz="2800" dirty="0"/>
+              <a:rPr lang="en-US" altLang="en-US" sz="2800" dirty="0" smtClean="0"/>
               <a:t>P(</a:t>
             </a:r>
             <a:r>
-              <a:rPr lang="en-US" altLang="en-US" sz="2800" dirty="0" err="1"/>
+              <a:rPr lang="en-US" altLang="en-US" sz="2800" dirty="0" err="1" smtClean="0"/>
               <a:t>cold|e</a:t>
             </a:r>
             <a:r>
-              <a:rPr lang="en-US" altLang="en-US" sz="2800" dirty="0"/>
+              <a:rPr lang="en-US" altLang="en-US" sz="2800" dirty="0" smtClean="0"/>
               <a:t>)=(.05) * (.9)(.8)(.3) / p(e)=0.01/p(e)</a:t>
             </a:r>
           </a:p>
           <a:p>
             <a:pPr eaLnBrk="1" hangingPunct="1"/>
             <a:r>
-              <a:rPr lang="en-US" altLang="en-US" sz="2800" dirty="0"/>
+              <a:rPr lang="en-US" altLang="en-US" sz="2800" dirty="0" smtClean="0"/>
               <a:t>P(</a:t>
             </a:r>
             <a:r>
-              <a:rPr lang="en-US" altLang="en-US" sz="2800" dirty="0" err="1"/>
+              <a:rPr lang="en-US" altLang="en-US" sz="2800" dirty="0" err="1" smtClean="0"/>
               <a:t>allergy|e</a:t>
             </a:r>
             <a:r>
-              <a:rPr lang="en-US" altLang="en-US" sz="2800" dirty="0"/>
+              <a:rPr lang="en-US" altLang="en-US" sz="2800" dirty="0" smtClean="0"/>
               <a:t>)=(.05) * (.9)(.7)(.6) / p(e)=0.019/p(e)</a:t>
             </a:r>
           </a:p>
           <a:p>
             <a:pPr eaLnBrk="1" hangingPunct="1"/>
             <a:r>
-              <a:rPr lang="en-US" altLang="en-US" sz="2800" dirty="0"/>
+              <a:rPr lang="en-US" altLang="en-US" sz="2800" dirty="0" smtClean="0"/>
               <a:t>P(e) = 0.0089+0.01+0.019=0.379</a:t>
             </a:r>
           </a:p>
           <a:p>
             <a:pPr eaLnBrk="1" hangingPunct="1"/>
             <a:r>
-              <a:rPr lang="en-US" altLang="en-US" sz="2800" dirty="0"/>
+              <a:rPr lang="en-US" altLang="en-US" sz="2800" dirty="0" smtClean="0"/>
               <a:t>P(</a:t>
             </a:r>
             <a:r>
-              <a:rPr lang="en-US" altLang="en-US" sz="2800" dirty="0" err="1"/>
+              <a:rPr lang="en-US" altLang="en-US" sz="2800" dirty="0" err="1" smtClean="0"/>
               <a:t>well|e</a:t>
             </a:r>
             <a:r>
-              <a:rPr lang="en-US" altLang="en-US" sz="2800" dirty="0"/>
+              <a:rPr lang="en-US" altLang="en-US" sz="2800" dirty="0" smtClean="0"/>
               <a:t>)=.23</a:t>
             </a:r>
           </a:p>
           <a:p>
             <a:pPr eaLnBrk="1" hangingPunct="1"/>
             <a:r>
-              <a:rPr lang="en-US" altLang="en-US" sz="2800" dirty="0"/>
+              <a:rPr lang="en-US" altLang="en-US" sz="2800" dirty="0" smtClean="0"/>
               <a:t>P(</a:t>
             </a:r>
             <a:r>
-              <a:rPr lang="en-US" altLang="en-US" sz="2800" dirty="0" err="1"/>
+              <a:rPr lang="en-US" altLang="en-US" sz="2800" dirty="0" err="1" smtClean="0"/>
               <a:t>cold|e</a:t>
             </a:r>
             <a:r>
-              <a:rPr lang="en-US" altLang="en-US" sz="2800" dirty="0"/>
+              <a:rPr lang="en-US" altLang="en-US" sz="2800" dirty="0" smtClean="0"/>
               <a:t>)=.26</a:t>
             </a:r>
           </a:p>
           <a:p>
             <a:pPr eaLnBrk="1" hangingPunct="1"/>
             <a:r>
-              <a:rPr lang="en-US" altLang="en-US" sz="2800" dirty="0"/>
+              <a:rPr lang="en-US" altLang="en-US" sz="2800" dirty="0" smtClean="0"/>
               <a:t>P(</a:t>
             </a:r>
             <a:r>
-              <a:rPr lang="en-US" altLang="en-US" sz="2800" dirty="0" err="1"/>
+              <a:rPr lang="en-US" altLang="en-US" sz="2800" dirty="0" err="1" smtClean="0"/>
               <a:t>allergy|e</a:t>
             </a:r>
             <a:r>
-              <a:rPr lang="en-US" altLang="en-US" sz="2800" dirty="0"/>
+              <a:rPr lang="en-US" altLang="en-US" sz="2800" dirty="0" smtClean="0"/>
               <a:t>)=.50</a:t>
             </a:r>
           </a:p>
@@ -11306,6 +11552,21 @@
   <p:clrMapOvr>
     <a:masterClrMapping/>
   </p:clrMapOvr>
+  <mc:AlternateContent xmlns:mc="http://schemas.openxmlformats.org/markup-compatibility/2006" xmlns:p14="http://schemas.microsoft.com/office/powerpoint/2010/main">
+    <mc:Choice Requires="p14">
+      <p:transition spd="slow" p14:dur="2000"/>
+    </mc:Choice>
+    <mc:Fallback xmlns="">
+      <p:transition spd="slow"/>
+    </mc:Fallback>
+  </mc:AlternateContent>
+  <p:timing>
+    <p:tnLst>
+      <p:par>
+        <p:cTn id="1" dur="indefinite" restart="never" nodeType="tmRoot"/>
+      </p:par>
+    </p:tnLst>
+  </p:timing>
 </p:sld>
 </file>
 
